--- a/Snake/SnakeWithSave.pptx
+++ b/Snake/SnakeWithSave.pptx
@@ -206,14 +206,14 @@
           <a:effectLst/>
           <a:extLst>
             <a:ext uri="{909E8E84-426E-40dd-AFC4-6F175D3DCCD1}">
-              <a14:hiddenFill xmlns="" xmlns:a14="http://schemas.microsoft.com/office/drawing/2010/main">
+              <a14:hiddenFill xmlns:a14="http://schemas.microsoft.com/office/drawing/2010/main" xmlns="">
                 <a:solidFill>
                   <a:schemeClr val="accent1"/>
                 </a:solidFill>
               </a14:hiddenFill>
             </a:ext>
             <a:ext uri="{91240B29-F687-4f45-9708-019B960494DF}">
-              <a14:hiddenLine xmlns="" xmlns:a14="http://schemas.microsoft.com/office/drawing/2010/main" w="9525">
+              <a14:hiddenLine xmlns:a14="http://schemas.microsoft.com/office/drawing/2010/main" xmlns="" w="9525">
                 <a:solidFill>
                   <a:schemeClr val="tx1"/>
                 </a:solidFill>
@@ -223,7 +223,7 @@
               </a14:hiddenLine>
             </a:ext>
             <a:ext uri="{AF507438-7753-43e0-B8FC-AC1667EBCBE1}">
-              <a14:hiddenEffects xmlns="" xmlns:a14="http://schemas.microsoft.com/office/drawing/2010/main">
+              <a14:hiddenEffects xmlns:a14="http://schemas.microsoft.com/office/drawing/2010/main" xmlns="">
                 <a:effectLst>
                   <a:outerShdw dist="35921" dir="2700000" algn="ctr" rotWithShape="0">
                     <a:schemeClr val="bg2"/>
@@ -282,14 +282,14 @@
           <a:effectLst/>
           <a:extLst>
             <a:ext uri="{909E8E84-426E-40dd-AFC4-6F175D3DCCD1}">
-              <a14:hiddenFill xmlns="" xmlns:a14="http://schemas.microsoft.com/office/drawing/2010/main">
+              <a14:hiddenFill xmlns:a14="http://schemas.microsoft.com/office/drawing/2010/main" xmlns="">
                 <a:solidFill>
                   <a:schemeClr val="accent1"/>
                 </a:solidFill>
               </a14:hiddenFill>
             </a:ext>
             <a:ext uri="{91240B29-F687-4f45-9708-019B960494DF}">
-              <a14:hiddenLine xmlns="" xmlns:a14="http://schemas.microsoft.com/office/drawing/2010/main" w="9525">
+              <a14:hiddenLine xmlns:a14="http://schemas.microsoft.com/office/drawing/2010/main" xmlns="" w="9525">
                 <a:solidFill>
                   <a:schemeClr val="tx1"/>
                 </a:solidFill>
@@ -299,7 +299,7 @@
               </a14:hiddenLine>
             </a:ext>
             <a:ext uri="{AF507438-7753-43e0-B8FC-AC1667EBCBE1}">
-              <a14:hiddenEffects xmlns="" xmlns:a14="http://schemas.microsoft.com/office/drawing/2010/main">
+              <a14:hiddenEffects xmlns:a14="http://schemas.microsoft.com/office/drawing/2010/main" xmlns="">
                 <a:effectLst>
                   <a:outerShdw dist="35921" dir="2700000" algn="ctr" rotWithShape="0">
                     <a:schemeClr val="bg2"/>
@@ -358,14 +358,14 @@
           <a:effectLst/>
           <a:extLst>
             <a:ext uri="{909E8E84-426E-40dd-AFC4-6F175D3DCCD1}">
-              <a14:hiddenFill xmlns="" xmlns:a14="http://schemas.microsoft.com/office/drawing/2010/main">
+              <a14:hiddenFill xmlns:a14="http://schemas.microsoft.com/office/drawing/2010/main" xmlns="">
                 <a:solidFill>
                   <a:schemeClr val="accent1"/>
                 </a:solidFill>
               </a14:hiddenFill>
             </a:ext>
             <a:ext uri="{91240B29-F687-4f45-9708-019B960494DF}">
-              <a14:hiddenLine xmlns="" xmlns:a14="http://schemas.microsoft.com/office/drawing/2010/main" w="9525">
+              <a14:hiddenLine xmlns:a14="http://schemas.microsoft.com/office/drawing/2010/main" xmlns="" w="9525">
                 <a:solidFill>
                   <a:schemeClr val="tx1"/>
                 </a:solidFill>
@@ -375,7 +375,7 @@
               </a14:hiddenLine>
             </a:ext>
             <a:ext uri="{AF507438-7753-43e0-B8FC-AC1667EBCBE1}">
-              <a14:hiddenEffects xmlns="" xmlns:a14="http://schemas.microsoft.com/office/drawing/2010/main">
+              <a14:hiddenEffects xmlns:a14="http://schemas.microsoft.com/office/drawing/2010/main" xmlns="">
                 <a:effectLst>
                   <a:outerShdw dist="35921" dir="2700000" algn="ctr" rotWithShape="0">
                     <a:schemeClr val="bg2"/>
@@ -434,14 +434,14 @@
           <a:effectLst/>
           <a:extLst>
             <a:ext uri="{909E8E84-426E-40dd-AFC4-6F175D3DCCD1}">
-              <a14:hiddenFill xmlns="" xmlns:a14="http://schemas.microsoft.com/office/drawing/2010/main">
+              <a14:hiddenFill xmlns:a14="http://schemas.microsoft.com/office/drawing/2010/main" xmlns="">
                 <a:solidFill>
                   <a:schemeClr val="accent1"/>
                 </a:solidFill>
               </a14:hiddenFill>
             </a:ext>
             <a:ext uri="{91240B29-F687-4f45-9708-019B960494DF}">
-              <a14:hiddenLine xmlns="" xmlns:a14="http://schemas.microsoft.com/office/drawing/2010/main" w="9525">
+              <a14:hiddenLine xmlns:a14="http://schemas.microsoft.com/office/drawing/2010/main" xmlns="" w="9525">
                 <a:solidFill>
                   <a:schemeClr val="tx1"/>
                 </a:solidFill>
@@ -451,7 +451,7 @@
               </a14:hiddenLine>
             </a:ext>
             <a:ext uri="{AF507438-7753-43e0-B8FC-AC1667EBCBE1}">
-              <a14:hiddenEffects xmlns="" xmlns:a14="http://schemas.microsoft.com/office/drawing/2010/main">
+              <a14:hiddenEffects xmlns:a14="http://schemas.microsoft.com/office/drawing/2010/main" xmlns="">
                 <a:effectLst>
                   <a:outerShdw dist="35921" dir="2700000" algn="ctr" rotWithShape="0">
                     <a:schemeClr val="bg2"/>
@@ -3802,14 +3802,14 @@
           <a:effectLst/>
           <a:extLst>
             <a:ext uri="{909E8E84-426E-40dd-AFC4-6F175D3DCCD1}">
-              <a14:hiddenFill xmlns="" xmlns:a14="http://schemas.microsoft.com/office/drawing/2010/main">
+              <a14:hiddenFill xmlns:a14="http://schemas.microsoft.com/office/drawing/2010/main" xmlns="">
                 <a:solidFill>
                   <a:schemeClr val="accent1"/>
                 </a:solidFill>
               </a14:hiddenFill>
             </a:ext>
             <a:ext uri="{91240B29-F687-4f45-9708-019B960494DF}">
-              <a14:hiddenLine xmlns="" xmlns:a14="http://schemas.microsoft.com/office/drawing/2010/main" w="9525">
+              <a14:hiddenLine xmlns:a14="http://schemas.microsoft.com/office/drawing/2010/main" xmlns="" w="9525">
                 <a:solidFill>
                   <a:schemeClr val="tx1"/>
                 </a:solidFill>
@@ -3819,7 +3819,7 @@
               </a14:hiddenLine>
             </a:ext>
             <a:ext uri="{AF507438-7753-43e0-B8FC-AC1667EBCBE1}">
-              <a14:hiddenEffects xmlns="" xmlns:a14="http://schemas.microsoft.com/office/drawing/2010/main">
+              <a14:hiddenEffects xmlns:a14="http://schemas.microsoft.com/office/drawing/2010/main" xmlns="">
                 <a:effectLst>
                   <a:outerShdw dist="35921" dir="2700000" algn="ctr" rotWithShape="0">
                     <a:schemeClr val="bg2"/>
@@ -3977,7 +3977,7 @@
           <a:effectLst/>
           <a:extLst>
             <a:ext uri="{AF507438-7753-43e0-B8FC-AC1667EBCBE1}">
-              <a14:hiddenEffects xmlns="" xmlns:a14="http://schemas.microsoft.com/office/drawing/2010/main">
+              <a14:hiddenEffects xmlns:a14="http://schemas.microsoft.com/office/drawing/2010/main" xmlns="">
                 <a:effectLst>
                   <a:outerShdw dist="35921" dir="2700000" algn="ctr" rotWithShape="0">
                     <a:schemeClr val="bg2"/>
@@ -4055,7 +4055,7 @@
           <a:effectLst/>
           <a:extLst>
             <a:ext uri="{AF507438-7753-43e0-B8FC-AC1667EBCBE1}">
-              <a14:hiddenEffects xmlns="" xmlns:a14="http://schemas.microsoft.com/office/drawing/2010/main">
+              <a14:hiddenEffects xmlns:a14="http://schemas.microsoft.com/office/drawing/2010/main" xmlns="">
                 <a:effectLst>
                   <a:outerShdw dist="35921" dir="2700000" algn="ctr" rotWithShape="0">
                     <a:schemeClr val="bg2"/>
@@ -4133,7 +4133,7 @@
           <a:effectLst/>
           <a:extLst>
             <a:ext uri="{AF507438-7753-43e0-B8FC-AC1667EBCBE1}">
-              <a14:hiddenEffects xmlns="" xmlns:a14="http://schemas.microsoft.com/office/drawing/2010/main">
+              <a14:hiddenEffects xmlns:a14="http://schemas.microsoft.com/office/drawing/2010/main" xmlns="">
                 <a:effectLst>
                   <a:outerShdw dist="35921" dir="2700000" algn="ctr" rotWithShape="0">
                     <a:schemeClr val="bg2"/>
@@ -4211,7 +4211,7 @@
           <a:effectLst/>
           <a:extLst>
             <a:ext uri="{AF507438-7753-43e0-B8FC-AC1667EBCBE1}">
-              <a14:hiddenEffects xmlns="" xmlns:a14="http://schemas.microsoft.com/office/drawing/2010/main">
+              <a14:hiddenEffects xmlns:a14="http://schemas.microsoft.com/office/drawing/2010/main" xmlns="">
                 <a:effectLst>
                   <a:outerShdw dist="35921" dir="2700000" algn="ctr" rotWithShape="0">
                     <a:schemeClr val="bg2"/>
@@ -4289,7 +4289,7 @@
           <a:effectLst/>
           <a:extLst>
             <a:ext uri="{AF507438-7753-43e0-B8FC-AC1667EBCBE1}">
-              <a14:hiddenEffects xmlns="" xmlns:a14="http://schemas.microsoft.com/office/drawing/2010/main">
+              <a14:hiddenEffects xmlns:a14="http://schemas.microsoft.com/office/drawing/2010/main" xmlns="">
                 <a:effectLst>
                   <a:outerShdw dist="35921" dir="2700000" algn="ctr" rotWithShape="0">
                     <a:schemeClr val="bg2"/>
@@ -4367,7 +4367,7 @@
           <a:effectLst/>
           <a:extLst>
             <a:ext uri="{AF507438-7753-43e0-B8FC-AC1667EBCBE1}">
-              <a14:hiddenEffects xmlns="" xmlns:a14="http://schemas.microsoft.com/office/drawing/2010/main">
+              <a14:hiddenEffects xmlns:a14="http://schemas.microsoft.com/office/drawing/2010/main" xmlns="">
                 <a:effectLst>
                   <a:outerShdw dist="35921" dir="2700000" algn="ctr" rotWithShape="0">
                     <a:schemeClr val="bg2"/>
@@ -4445,7 +4445,7 @@
           <a:effectLst/>
           <a:extLst>
             <a:ext uri="{AF507438-7753-43e0-B8FC-AC1667EBCBE1}">
-              <a14:hiddenEffects xmlns="" xmlns:a14="http://schemas.microsoft.com/office/drawing/2010/main">
+              <a14:hiddenEffects xmlns:a14="http://schemas.microsoft.com/office/drawing/2010/main" xmlns="">
                 <a:effectLst>
                   <a:outerShdw dist="35921" dir="2700000" algn="ctr" rotWithShape="0">
                     <a:schemeClr val="bg2"/>
@@ -4687,7 +4687,7 @@
         </p:nvSpPr>
         <p:spPr>
           <a:xfrm>
-            <a:off x="1505521" y="3482056"/>
+            <a:off x="1256244" y="3585811"/>
             <a:ext cx="7086600" cy="1107996"/>
           </a:xfrm>
           <a:prstGeom prst="rect">
@@ -4732,7 +4732,7 @@
         </p:nvSpPr>
         <p:spPr>
           <a:xfrm>
-            <a:off x="10303398" y="3482056"/>
+            <a:off x="10047591" y="3585811"/>
             <a:ext cx="7086600" cy="1107996"/>
           </a:xfrm>
           <a:prstGeom prst="rect">
@@ -4777,7 +4777,7 @@
         </p:nvSpPr>
         <p:spPr>
           <a:xfrm>
-            <a:off x="18818482" y="11871711"/>
+            <a:off x="18700587" y="12274976"/>
             <a:ext cx="7086600" cy="1107996"/>
           </a:xfrm>
           <a:prstGeom prst="rect">
@@ -4867,7 +4867,7 @@
         </p:nvSpPr>
         <p:spPr>
           <a:xfrm>
-            <a:off x="18700587" y="20224726"/>
+            <a:off x="18496483" y="20365420"/>
             <a:ext cx="7086600" cy="1107996"/>
           </a:xfrm>
           <a:prstGeom prst="rect">
@@ -4912,7 +4912,7 @@
         </p:nvSpPr>
         <p:spPr>
           <a:xfrm>
-            <a:off x="35013258" y="20156411"/>
+            <a:off x="35054875" y="20359151"/>
             <a:ext cx="7772210" cy="2123658"/>
           </a:xfrm>
           <a:prstGeom prst="rect">
@@ -4971,8 +4971,8 @@
         </p:nvSpPr>
         <p:spPr>
           <a:xfrm>
-            <a:off x="26808100" y="1468610"/>
-            <a:ext cx="16608722" cy="11572399"/>
+            <a:off x="26808100" y="1082281"/>
+            <a:ext cx="16608722" cy="13480613"/>
           </a:xfrm>
           <a:prstGeom prst="rect">
             <a:avLst/>
@@ -5012,14 +5012,6 @@
               </a:rPr>
               <a:t>Goal</a:t>
             </a:r>
-            <a:endParaRPr lang="en-US" sz="8000" dirty="0" smtClean="0">
-              <a:solidFill>
-                <a:schemeClr val="tx1"/>
-              </a:solidFill>
-              <a:latin typeface="Lao MN" charset="0"/>
-              <a:ea typeface="Lao MN" charset="0"/>
-              <a:cs typeface="Lao MN" charset="0"/>
-            </a:endParaRPr>
           </a:p>
           <a:p>
             <a:pPr algn="l"/>
@@ -5068,7 +5060,7 @@
               <a:t>would </a:t>
             </a:r>
             <a:r>
-              <a:rPr lang="en-US" sz="6200" b="0" dirty="0">
+              <a:rPr lang="en-US" sz="6200" b="0" dirty="0" smtClean="0">
                 <a:solidFill>
                   <a:schemeClr val="tx1"/>
                 </a:solidFill>
@@ -5076,8 +5068,11 @@
                 <a:ea typeface="Calibri" charset="0"/>
                 <a:cs typeface="Calibri" charset="0"/>
               </a:rPr>
-              <a:t>give the snake </a:t>
-            </a:r>
+              <a:t>give</a:t>
+            </a:r>
+          </a:p>
+          <a:p>
+            <a:pPr algn="l"/>
             <a:r>
               <a:rPr lang="en-US" sz="6200" b="0" dirty="0" smtClean="0">
                 <a:solidFill>
@@ -5098,7 +5093,7 @@
                 <a:ea typeface="Calibri" charset="0"/>
                 <a:cs typeface="Calibri" charset="0"/>
               </a:rPr>
-              <a:t>ability to think for itself </a:t>
+              <a:t>snake </a:t>
             </a:r>
             <a:r>
               <a:rPr lang="en-US" sz="6200" b="0" dirty="0" smtClean="0">
@@ -5109,7 +5104,7 @@
                 <a:ea typeface="Calibri" charset="0"/>
                 <a:cs typeface="Calibri" charset="0"/>
               </a:rPr>
-              <a:t>in </a:t>
+              <a:t>the </a:t>
             </a:r>
             <a:r>
               <a:rPr lang="en-US" sz="6200" b="0" dirty="0">
@@ -5120,7 +5115,7 @@
                 <a:ea typeface="Calibri" charset="0"/>
                 <a:cs typeface="Calibri" charset="0"/>
               </a:rPr>
-              <a:t>order to </a:t>
+              <a:t>ability to </a:t>
             </a:r>
             <a:endParaRPr lang="en-US" sz="6200" b="0" dirty="0" smtClean="0">
               <a:solidFill>
@@ -5142,7 +5137,7 @@
                 <a:ea typeface="Calibri" charset="0"/>
                 <a:cs typeface="Calibri" charset="0"/>
               </a:rPr>
-              <a:t>reach </a:t>
+              <a:t>think </a:t>
             </a:r>
             <a:r>
               <a:rPr lang="en-US" sz="6200" b="0" dirty="0">
@@ -5153,7 +5148,7 @@
                 <a:ea typeface="Calibri" charset="0"/>
                 <a:cs typeface="Calibri" charset="0"/>
               </a:rPr>
-              <a:t>the </a:t>
+              <a:t>for itself </a:t>
             </a:r>
             <a:r>
               <a:rPr lang="en-US" sz="6200" b="0" dirty="0" smtClean="0">
@@ -5164,7 +5159,7 @@
                 <a:ea typeface="Calibri" charset="0"/>
                 <a:cs typeface="Calibri" charset="0"/>
               </a:rPr>
-              <a:t>highest </a:t>
+              <a:t>in </a:t>
             </a:r>
             <a:r>
               <a:rPr lang="en-US" sz="6200" b="0" dirty="0">
@@ -5175,7 +5170,7 @@
                 <a:ea typeface="Calibri" charset="0"/>
                 <a:cs typeface="Calibri" charset="0"/>
               </a:rPr>
-              <a:t>score </a:t>
+              <a:t>order </a:t>
             </a:r>
             <a:endParaRPr lang="en-US" sz="6200" b="0" dirty="0" smtClean="0">
               <a:solidFill>
@@ -5197,8 +5192,63 @@
                 <a:ea typeface="Calibri" charset="0"/>
                 <a:cs typeface="Calibri" charset="0"/>
               </a:rPr>
-              <a:t>possible.</a:t>
-            </a:r>
+              <a:t>to reach </a:t>
+            </a:r>
+            <a:r>
+              <a:rPr lang="en-US" sz="6200" b="0" dirty="0">
+                <a:solidFill>
+                  <a:schemeClr val="tx1"/>
+                </a:solidFill>
+                <a:latin typeface="Calibri" charset="0"/>
+                <a:ea typeface="Calibri" charset="0"/>
+                <a:cs typeface="Calibri" charset="0"/>
+              </a:rPr>
+              <a:t>the </a:t>
+            </a:r>
+            <a:r>
+              <a:rPr lang="en-US" sz="6200" b="0" dirty="0" smtClean="0">
+                <a:solidFill>
+                  <a:schemeClr val="tx1"/>
+                </a:solidFill>
+                <a:latin typeface="Calibri" charset="0"/>
+                <a:ea typeface="Calibri" charset="0"/>
+                <a:cs typeface="Calibri" charset="0"/>
+              </a:rPr>
+              <a:t>highest </a:t>
+            </a:r>
+            <a:endParaRPr lang="en-US" sz="6200" b="0" dirty="0" smtClean="0">
+              <a:solidFill>
+                <a:schemeClr val="tx1"/>
+              </a:solidFill>
+              <a:latin typeface="Calibri" charset="0"/>
+              <a:ea typeface="Calibri" charset="0"/>
+              <a:cs typeface="Calibri" charset="0"/>
+            </a:endParaRPr>
+          </a:p>
+          <a:p>
+            <a:pPr algn="l"/>
+            <a:r>
+              <a:rPr lang="en-US" sz="6200" b="0" dirty="0" smtClean="0">
+                <a:solidFill>
+                  <a:schemeClr val="tx1"/>
+                </a:solidFill>
+                <a:latin typeface="Calibri" charset="0"/>
+                <a:ea typeface="Calibri" charset="0"/>
+                <a:cs typeface="Calibri" charset="0"/>
+              </a:rPr>
+              <a:t>score possible.</a:t>
+            </a:r>
+          </a:p>
+          <a:p>
+            <a:pPr algn="l"/>
+            <a:endParaRPr lang="en-US" sz="6200" b="0" dirty="0" smtClean="0">
+              <a:solidFill>
+                <a:schemeClr val="tx1"/>
+              </a:solidFill>
+              <a:latin typeface="Calibri" charset="0"/>
+              <a:ea typeface="Calibri" charset="0"/>
+              <a:cs typeface="Calibri" charset="0"/>
+            </a:endParaRPr>
           </a:p>
           <a:p>
             <a:pPr algn="l"/>
@@ -5233,7 +5283,7 @@
         <p:spPr>
           <a:xfrm>
             <a:off x="17875016" y="28364497"/>
-            <a:ext cx="25409822" cy="3539430"/>
+            <a:ext cx="25409822" cy="2954655"/>
           </a:xfrm>
           <a:prstGeom prst="rect">
             <a:avLst/>
@@ -5255,7 +5305,7 @@
               <a:buAutoNum type="arabicPeriod"/>
             </a:pPr>
             <a:r>
-              <a:rPr lang="en-US" sz="3200" b="0" dirty="0" smtClean="0">
+              <a:rPr lang="en-US" sz="3100" b="0" dirty="0" smtClean="0">
                 <a:solidFill>
                   <a:schemeClr val="tx1"/>
                 </a:solidFill>
@@ -5266,7 +5316,7 @@
               <a:t>“</a:t>
             </a:r>
             <a:r>
-              <a:rPr lang="en-US" sz="3200" b="0" dirty="0">
+              <a:rPr lang="en-US" sz="3100" b="0" dirty="0">
                 <a:solidFill>
                   <a:schemeClr val="tx1"/>
                 </a:solidFill>
@@ -5277,7 +5327,7 @@
               <a:t>Snake Game in Python Using Turtle Graphics.” </a:t>
             </a:r>
             <a:r>
-              <a:rPr lang="en-US" sz="3200" b="0" i="1" dirty="0">
+              <a:rPr lang="en-US" sz="3100" b="0" i="1" dirty="0">
                 <a:solidFill>
                   <a:schemeClr val="tx1"/>
                 </a:solidFill>
@@ -5288,7 +5338,7 @@
               <a:t>Stack </a:t>
             </a:r>
             <a:r>
-              <a:rPr lang="en-US" sz="3200" b="0" i="1" dirty="0" smtClean="0">
+              <a:rPr lang="en-US" sz="3100" b="0" i="1" dirty="0" smtClean="0">
                 <a:solidFill>
                   <a:schemeClr val="tx1"/>
                 </a:solidFill>
@@ -5299,7 +5349,7 @@
               <a:t>Overflow</a:t>
             </a:r>
             <a:r>
-              <a:rPr lang="en-US" sz="3200" b="0" dirty="0" smtClean="0">
+              <a:rPr lang="en-US" sz="3100" b="0" dirty="0" smtClean="0">
                 <a:solidFill>
                   <a:schemeClr val="tx1"/>
                 </a:solidFill>
@@ -5315,7 +5365,7 @@
               <a:buAutoNum type="arabicPeriod"/>
             </a:pPr>
             <a:r>
-              <a:rPr lang="en-US" sz="3200" b="0" dirty="0">
+              <a:rPr lang="en-US" sz="3100" b="0" dirty="0">
                 <a:solidFill>
                   <a:schemeClr val="tx1"/>
                 </a:solidFill>
@@ -5326,7 +5376,7 @@
               <a:t>“23.1. Turtle - Turtle Graphics¶.” </a:t>
             </a:r>
             <a:r>
-              <a:rPr lang="en-US" sz="3200" b="0" i="1" dirty="0">
+              <a:rPr lang="en-US" sz="3100" b="0" i="1" dirty="0">
                 <a:solidFill>
                   <a:schemeClr val="tx1"/>
                 </a:solidFill>
@@ -5337,7 +5387,7 @@
               <a:t>4. More Control Flow Tools - Python 3.6.5 Documentation</a:t>
             </a:r>
             <a:r>
-              <a:rPr lang="en-US" sz="3200" b="0" dirty="0">
+              <a:rPr lang="en-US" sz="3100" b="0" dirty="0">
                 <a:solidFill>
                   <a:schemeClr val="tx1"/>
                 </a:solidFill>
@@ -5345,10 +5395,10 @@
                 <a:ea typeface="Calibri" charset="0"/>
                 <a:cs typeface="Calibri" charset="0"/>
               </a:rPr>
-              <a:t>, docs.python.org/3.1/library/</a:t>
-            </a:r>
-            <a:r>
-              <a:rPr lang="en-US" sz="3200" b="0" dirty="0" err="1">
+              <a:t>, </a:t>
+            </a:r>
+            <a:r>
+              <a:rPr lang="en-US" sz="3100" b="0" dirty="0" err="1" smtClean="0">
                 <a:solidFill>
                   <a:schemeClr val="tx1"/>
                 </a:solidFill>
@@ -5356,10 +5406,10 @@
                 <a:ea typeface="Calibri" charset="0"/>
                 <a:cs typeface="Calibri" charset="0"/>
               </a:rPr>
-              <a:t>turtle.html</a:t>
-            </a:r>
-            <a:r>
-              <a:rPr lang="en-US" sz="3200" b="0" dirty="0" smtClean="0">
+              <a:t>docs.python.org</a:t>
+            </a:r>
+            <a:r>
+              <a:rPr lang="en-US" sz="3100" b="0" dirty="0" smtClean="0">
                 <a:solidFill>
                   <a:schemeClr val="tx1"/>
                 </a:solidFill>
@@ -5367,6 +5417,28 @@
                 <a:ea typeface="Calibri" charset="0"/>
                 <a:cs typeface="Calibri" charset="0"/>
               </a:rPr>
+              <a:t>/3.1/library/</a:t>
+            </a:r>
+            <a:r>
+              <a:rPr lang="en-US" sz="3100" b="0" dirty="0" err="1" smtClean="0">
+                <a:solidFill>
+                  <a:schemeClr val="tx1"/>
+                </a:solidFill>
+                <a:latin typeface="Calibri" charset="0"/>
+                <a:ea typeface="Calibri" charset="0"/>
+                <a:cs typeface="Calibri" charset="0"/>
+              </a:rPr>
+              <a:t>turtle.html</a:t>
+            </a:r>
+            <a:r>
+              <a:rPr lang="en-US" sz="3100" b="0" dirty="0" smtClean="0">
+                <a:solidFill>
+                  <a:schemeClr val="tx1"/>
+                </a:solidFill>
+                <a:latin typeface="Calibri" charset="0"/>
+                <a:ea typeface="Calibri" charset="0"/>
+                <a:cs typeface="Calibri" charset="0"/>
+              </a:rPr>
               <a:t>.</a:t>
             </a:r>
           </a:p>
@@ -5375,7 +5447,7 @@
               <a:buAutoNum type="arabicPeriod"/>
             </a:pPr>
             <a:r>
-              <a:rPr lang="en-US" sz="3200" b="0" dirty="0">
+              <a:rPr lang="en-US" sz="3100" b="0" dirty="0">
                 <a:solidFill>
                   <a:schemeClr val="tx1"/>
                 </a:solidFill>
@@ -5386,7 +5458,7 @@
               <a:t>Computerphile. “A* (A Star) Search Algorithm - </a:t>
             </a:r>
             <a:r>
-              <a:rPr lang="en-US" sz="3200" b="0" dirty="0" smtClean="0">
+              <a:rPr lang="en-US" sz="3100" b="0" dirty="0" smtClean="0">
                 <a:solidFill>
                   <a:schemeClr val="tx1"/>
                 </a:solidFill>
@@ -5397,7 +5469,7 @@
               <a:t>Computerphile.”</a:t>
             </a:r>
             <a:r>
-              <a:rPr lang="en-US" sz="3200" b="0" dirty="0">
+              <a:rPr lang="en-US" sz="3100" b="0" dirty="0">
                 <a:solidFill>
                   <a:schemeClr val="tx1"/>
                 </a:solidFill>
@@ -5408,7 +5480,7 @@
               <a:t> </a:t>
             </a:r>
             <a:r>
-              <a:rPr lang="en-US" sz="3200" b="0" i="1" dirty="0">
+              <a:rPr lang="en-US" sz="3100" b="0" i="1" dirty="0">
                 <a:solidFill>
                   <a:schemeClr val="tx1"/>
                 </a:solidFill>
@@ -5419,7 +5491,7 @@
               <a:t>YouTube</a:t>
             </a:r>
             <a:r>
-              <a:rPr lang="en-US" sz="3200" b="0" dirty="0">
+              <a:rPr lang="en-US" sz="3100" b="0" dirty="0">
                 <a:solidFill>
                   <a:schemeClr val="tx1"/>
                 </a:solidFill>
@@ -5430,7 +5502,7 @@
               <a:t>, YouTube, 15 Feb. 2017, </a:t>
             </a:r>
             <a:r>
-              <a:rPr lang="en-US" sz="3200" b="0" dirty="0" smtClean="0">
+              <a:rPr lang="en-US" sz="3100" b="0" dirty="0" smtClean="0">
                 <a:solidFill>
                   <a:schemeClr val="tx1"/>
                 </a:solidFill>
@@ -5441,7 +5513,7 @@
               <a:t>www.youtube.com\</a:t>
             </a:r>
             <a:r>
-              <a:rPr lang="en-US" sz="3200" b="0" dirty="0" err="1" smtClean="0">
+              <a:rPr lang="en-US" sz="3100" b="0" dirty="0" err="1" smtClean="0">
                 <a:solidFill>
                   <a:schemeClr val="tx1"/>
                 </a:solidFill>
@@ -5452,7 +5524,7 @@
               <a:t>watch?v</a:t>
             </a:r>
             <a:r>
-              <a:rPr lang="en-US" sz="3200" b="0" dirty="0" smtClean="0">
+              <a:rPr lang="en-US" sz="3100" b="0" dirty="0" smtClean="0">
                 <a:solidFill>
                   <a:schemeClr val="tx1"/>
                 </a:solidFill>
@@ -5462,7 +5534,7 @@
               </a:rPr>
               <a:t>=ySN5Wnu88nE&amp;t=382s.</a:t>
             </a:r>
-            <a:endParaRPr lang="en-US" sz="3200" b="0" dirty="0">
+            <a:endParaRPr lang="en-US" sz="3100" b="0" dirty="0">
               <a:solidFill>
                 <a:schemeClr val="tx1"/>
               </a:solidFill>
@@ -5476,7 +5548,7 @@
               <a:buAutoNum type="arabicPeriod"/>
             </a:pPr>
             <a:r>
-              <a:rPr lang="en-US" sz="3200" b="0" dirty="0" smtClean="0">
+              <a:rPr lang="en-US" sz="3100" b="0" dirty="0" smtClean="0">
                 <a:solidFill>
                   <a:schemeClr val="tx1"/>
                 </a:solidFill>
@@ -5487,7 +5559,7 @@
               <a:t>“</a:t>
             </a:r>
             <a:r>
-              <a:rPr lang="en-US" sz="3200" b="0" dirty="0">
+              <a:rPr lang="en-US" sz="3100" b="0" dirty="0">
                 <a:solidFill>
                   <a:schemeClr val="tx1"/>
                 </a:solidFill>
@@ -5498,7 +5570,7 @@
               <a:t>AI Learns to Play Snake Using Genetic Algorithm and Deep Learning.” </a:t>
             </a:r>
             <a:r>
-              <a:rPr lang="en-US" sz="3200" b="0" i="1" dirty="0">
+              <a:rPr lang="en-US" sz="3100" b="0" i="1" dirty="0">
                 <a:solidFill>
                   <a:schemeClr val="tx1"/>
                 </a:solidFill>
@@ -5509,7 +5581,7 @@
               <a:t>YouTube</a:t>
             </a:r>
             <a:r>
-              <a:rPr lang="en-US" sz="3200" b="0" dirty="0">
+              <a:rPr lang="en-US" sz="3100" b="0" dirty="0">
                 <a:solidFill>
                   <a:schemeClr val="tx1"/>
                 </a:solidFill>
@@ -5520,7 +5592,7 @@
               <a:t>, YouTube, 7 Dec. </a:t>
             </a:r>
             <a:r>
-              <a:rPr lang="en-US" sz="3200" b="0" dirty="0" smtClean="0">
+              <a:rPr lang="en-US" sz="3100" b="0" dirty="0" smtClean="0">
                 <a:solidFill>
                   <a:schemeClr val="tx1"/>
                 </a:solidFill>
@@ -5531,7 +5603,7 @@
               <a:t>2017, www.youtube.com/</a:t>
             </a:r>
             <a:r>
-              <a:rPr lang="en-US" sz="3200" b="0" dirty="0" err="1" smtClean="0">
+              <a:rPr lang="en-US" sz="3100" b="0" dirty="0" err="1" smtClean="0">
                 <a:solidFill>
                   <a:schemeClr val="tx1"/>
                 </a:solidFill>
@@ -5542,7 +5614,7 @@
               <a:t>watch?v</a:t>
             </a:r>
             <a:r>
-              <a:rPr lang="en-US" sz="3200" b="0" dirty="0" smtClean="0">
+              <a:rPr lang="en-US" sz="3100" b="0" dirty="0" smtClean="0">
                 <a:solidFill>
                   <a:schemeClr val="tx1"/>
                 </a:solidFill>
@@ -5552,7 +5624,7 @@
               </a:rPr>
               <a:t>=3bhP7zulFfY.</a:t>
             </a:r>
-            <a:endParaRPr lang="en-US" sz="3200" b="0" u="sng" dirty="0" smtClean="0">
+            <a:endParaRPr lang="en-US" sz="3100" b="0" u="sng" dirty="0" smtClean="0">
               <a:solidFill>
                 <a:schemeClr val="tx1"/>
               </a:solidFill>
@@ -5566,7 +5638,7 @@
               <a:buAutoNum type="arabicPeriod"/>
             </a:pPr>
             <a:r>
-              <a:rPr lang="en-US" sz="3200" b="0" dirty="0" smtClean="0">
+              <a:rPr lang="en-US" sz="3100" b="0" dirty="0" smtClean="0">
                 <a:solidFill>
                   <a:schemeClr val="tx1"/>
                 </a:solidFill>
@@ -5574,10 +5646,10 @@
                 <a:ea typeface="Calibri" charset="0"/>
                 <a:cs typeface="Calibri" charset="0"/>
               </a:rPr>
-              <a:t>“Pygame.mixer.music - Pygame v1.9.4.dev0 Documentation.” </a:t>
-            </a:r>
-            <a:r>
-              <a:rPr lang="en-US" sz="3200" b="0" i="1" dirty="0" smtClean="0">
+              <a:t>“</a:t>
+            </a:r>
+            <a:r>
+              <a:rPr lang="en-US" sz="3100" b="0" dirty="0" err="1" smtClean="0">
                 <a:solidFill>
                   <a:schemeClr val="tx1"/>
                 </a:solidFill>
@@ -5585,10 +5657,10 @@
                 <a:ea typeface="Calibri" charset="0"/>
                 <a:cs typeface="Calibri" charset="0"/>
               </a:rPr>
-              <a:t>Pygame.org</a:t>
-            </a:r>
-            <a:r>
-              <a:rPr lang="en-US" sz="3200" b="0" dirty="0" smtClean="0">
+              <a:t>Pygame.mixer.music</a:t>
+            </a:r>
+            <a:r>
+              <a:rPr lang="en-US" sz="3100" b="0" dirty="0" smtClean="0">
                 <a:solidFill>
                   <a:schemeClr val="tx1"/>
                 </a:solidFill>
@@ -5596,10 +5668,10 @@
                 <a:ea typeface="Calibri" charset="0"/>
                 <a:cs typeface="Calibri" charset="0"/>
               </a:rPr>
-              <a:t>, www.pygame.org/docs/ref/</a:t>
-            </a:r>
-            <a:r>
-              <a:rPr lang="en-US" sz="3200" b="0" dirty="0" err="1" smtClean="0">
+              <a:t> - Pygame v1.9.4.dev0 Documentation.” </a:t>
+            </a:r>
+            <a:r>
+              <a:rPr lang="en-US" sz="3100" b="0" i="1" dirty="0" err="1" smtClean="0">
                 <a:solidFill>
                   <a:schemeClr val="tx1"/>
                 </a:solidFill>
@@ -5607,10 +5679,10 @@
                 <a:ea typeface="Calibri" charset="0"/>
                 <a:cs typeface="Calibri" charset="0"/>
               </a:rPr>
-              <a:t>music.html</a:t>
-            </a:r>
-            <a:r>
-              <a:rPr lang="en-US" sz="3200" b="0" dirty="0" smtClean="0">
+              <a:t>Pygame.org</a:t>
+            </a:r>
+            <a:r>
+              <a:rPr lang="en-US" sz="3100" b="0" dirty="0" smtClean="0">
                 <a:solidFill>
                   <a:schemeClr val="tx1"/>
                 </a:solidFill>
@@ -5618,9 +5690,64 @@
                 <a:ea typeface="Calibri" charset="0"/>
                 <a:cs typeface="Calibri" charset="0"/>
               </a:rPr>
+              <a:t>, </a:t>
+            </a:r>
+            <a:r>
+              <a:rPr lang="en-US" sz="3100" b="0" dirty="0" err="1" smtClean="0">
+                <a:solidFill>
+                  <a:schemeClr val="tx1"/>
+                </a:solidFill>
+                <a:latin typeface="Calibri" charset="0"/>
+                <a:ea typeface="Calibri" charset="0"/>
+                <a:cs typeface="Calibri" charset="0"/>
+              </a:rPr>
+              <a:t>www.pygame</a:t>
+            </a:r>
+            <a:r>
+              <a:rPr lang="en-US" sz="3100" b="0" dirty="0" err="1" smtClean="0">
+                <a:solidFill>
+                  <a:schemeClr val="tx1"/>
+                </a:solidFill>
+                <a:latin typeface="Calibri" charset="0"/>
+                <a:ea typeface="Calibri" charset="0"/>
+                <a:cs typeface="Calibri" charset="0"/>
+              </a:rPr>
+              <a:t>.org</a:t>
+            </a:r>
+            <a:r>
+              <a:rPr lang="en-US" sz="3100" b="0" dirty="0" smtClean="0">
+                <a:solidFill>
+                  <a:schemeClr val="tx1"/>
+                </a:solidFill>
+                <a:latin typeface="Calibri" charset="0"/>
+                <a:ea typeface="Calibri" charset="0"/>
+                <a:cs typeface="Calibri" charset="0"/>
+              </a:rPr>
+              <a:t>/docs/ref/</a:t>
+            </a:r>
+            <a:r>
+              <a:rPr lang="en-US" sz="3100" b="0" dirty="0" err="1" smtClean="0">
+                <a:solidFill>
+                  <a:schemeClr val="tx1"/>
+                </a:solidFill>
+                <a:latin typeface="Calibri" charset="0"/>
+                <a:ea typeface="Calibri" charset="0"/>
+                <a:cs typeface="Calibri" charset="0"/>
+              </a:rPr>
+              <a:t>music.html</a:t>
+            </a:r>
+            <a:r>
+              <a:rPr lang="en-US" sz="3100" b="0" dirty="0" smtClean="0">
+                <a:solidFill>
+                  <a:schemeClr val="tx1"/>
+                </a:solidFill>
+                <a:latin typeface="Calibri" charset="0"/>
+                <a:ea typeface="Calibri" charset="0"/>
+                <a:cs typeface="Calibri" charset="0"/>
+              </a:rPr>
               <a:t>.</a:t>
             </a:r>
-            <a:endParaRPr lang="en-US" sz="3200" b="0" dirty="0" smtClean="0">
+            <a:endParaRPr lang="en-US" sz="3100" b="0" dirty="0" smtClean="0">
               <a:solidFill>
                 <a:schemeClr val="tx1"/>
               </a:solidFill>
@@ -5629,6 +5756,107 @@
               <a:cs typeface="Calibri" charset="0"/>
             </a:endParaRPr>
           </a:p>
+          <a:p>
+            <a:pPr marL="742950" indent="-742950" algn="l">
+              <a:buAutoNum type="arabicPeriod"/>
+            </a:pPr>
+            <a:r>
+              <a:rPr lang="en-US" sz="3100" b="0" dirty="0" err="1" smtClean="0">
+                <a:solidFill>
+                  <a:schemeClr val="tx1"/>
+                </a:solidFill>
+                <a:latin typeface="Calibri" charset="0"/>
+                <a:ea typeface="Calibri" charset="0"/>
+                <a:cs typeface="Calibri" charset="0"/>
+              </a:rPr>
+              <a:t>Koeing</a:t>
+            </a:r>
+            <a:r>
+              <a:rPr lang="en-US" sz="3100" b="0" dirty="0" smtClean="0">
+                <a:solidFill>
+                  <a:schemeClr val="tx1"/>
+                </a:solidFill>
+                <a:latin typeface="Calibri" charset="0"/>
+                <a:ea typeface="Calibri" charset="0"/>
+                <a:cs typeface="Calibri" charset="0"/>
+              </a:rPr>
+              <a:t>, Mike. “</a:t>
+            </a:r>
+            <a:r>
+              <a:rPr lang="en-US" sz="3100" b="0" dirty="0" err="1" smtClean="0">
+                <a:solidFill>
+                  <a:schemeClr val="tx1"/>
+                </a:solidFill>
+                <a:latin typeface="Calibri" charset="0"/>
+                <a:ea typeface="Calibri" charset="0"/>
+                <a:cs typeface="Calibri" charset="0"/>
+              </a:rPr>
+              <a:t>SoundBible.com</a:t>
+            </a:r>
+            <a:r>
+              <a:rPr lang="en-US" sz="3100" b="0" dirty="0" smtClean="0">
+                <a:solidFill>
+                  <a:schemeClr val="tx1"/>
+                </a:solidFill>
+                <a:latin typeface="Calibri" charset="0"/>
+                <a:ea typeface="Calibri" charset="0"/>
+                <a:cs typeface="Calibri" charset="0"/>
+              </a:rPr>
+              <a:t>” </a:t>
+            </a:r>
+            <a:r>
+              <a:rPr lang="en-US" sz="3100" b="0" i="1" dirty="0" smtClean="0">
+                <a:solidFill>
+                  <a:schemeClr val="tx1"/>
+                </a:solidFill>
+                <a:latin typeface="Calibri" charset="0"/>
+                <a:ea typeface="Calibri" charset="0"/>
+                <a:cs typeface="Calibri" charset="0"/>
+              </a:rPr>
+              <a:t>Free Sound Clips, </a:t>
+            </a:r>
+            <a:r>
+              <a:rPr lang="en-US" sz="3100" b="0" dirty="0" smtClean="0">
+                <a:solidFill>
+                  <a:schemeClr val="tx1"/>
+                </a:solidFill>
+                <a:latin typeface="Calibri" charset="0"/>
+                <a:ea typeface="Calibri" charset="0"/>
+                <a:cs typeface="Calibri" charset="0"/>
+              </a:rPr>
+              <a:t> </a:t>
+            </a:r>
+            <a:r>
+              <a:rPr lang="en-US" sz="3100" b="0" dirty="0" err="1" smtClean="0">
+                <a:solidFill>
+                  <a:schemeClr val="tx1"/>
+                </a:solidFill>
+                <a:latin typeface="Calibri" charset="0"/>
+                <a:ea typeface="Calibri" charset="0"/>
+                <a:cs typeface="Calibri" charset="0"/>
+              </a:rPr>
+              <a:t>soundbible.com</a:t>
+            </a:r>
+            <a:r>
+              <a:rPr lang="en-US" sz="3100" b="0" dirty="0" smtClean="0">
+                <a:solidFill>
+                  <a:schemeClr val="tx1"/>
+                </a:solidFill>
+                <a:latin typeface="Calibri" charset="0"/>
+                <a:ea typeface="Calibri" charset="0"/>
+                <a:cs typeface="Calibri" charset="0"/>
+              </a:rPr>
+              <a:t>/.</a:t>
+            </a:r>
+            <a:endParaRPr lang="en-US" sz="3100" b="0" dirty="0" smtClean="0">
+              <a:solidFill>
+                <a:schemeClr val="tx1"/>
+              </a:solidFill>
+              <a:latin typeface="Calibri" charset="0"/>
+              <a:ea typeface="Calibri" charset="0"/>
+              <a:cs typeface="Calibri" charset="0"/>
+            </a:endParaRPr>
+          </a:p>
         </p:txBody>
       </p:sp>
       <p:sp>
@@ -5639,8 +5867,8 @@
         </p:nvSpPr>
         <p:spPr>
           <a:xfrm>
-            <a:off x="692409" y="11677384"/>
-            <a:ext cx="16899878" cy="8248412"/>
+            <a:off x="740538" y="17776983"/>
+            <a:ext cx="16899878" cy="13634502"/>
           </a:xfrm>
           <a:prstGeom prst="rect">
             <a:avLst/>
@@ -5667,10 +5895,10 @@
                 <a:ea typeface="Lao MN" charset="0"/>
                 <a:cs typeface="Lao MN" charset="0"/>
               </a:rPr>
-              <a:t>What We </a:t>
-            </a:r>
-            <a:r>
-              <a:rPr lang="en-US" sz="8000" dirty="0" smtClean="0">
+              <a:t>Our </a:t>
+            </a:r>
+            <a:r>
+              <a:rPr lang="en-US" sz="8000" dirty="0">
                 <a:solidFill>
                   <a:schemeClr val="tx1"/>
                 </a:solidFill>
@@ -5678,210 +5906,124 @@
                 <a:ea typeface="Lao MN" charset="0"/>
                 <a:cs typeface="Lao MN" charset="0"/>
               </a:rPr>
-              <a:t>Learned</a:t>
-            </a:r>
+              <a:t>Journey </a:t>
+            </a:r>
+            <a:endParaRPr lang="en-US" sz="8000" b="0" dirty="0">
+              <a:solidFill>
+                <a:schemeClr val="tx1"/>
+              </a:solidFill>
+              <a:latin typeface="Lao MN" charset="0"/>
+              <a:ea typeface="Lao MN" charset="0"/>
+              <a:cs typeface="Lao MN" charset="0"/>
+            </a:endParaRPr>
           </a:p>
           <a:p>
             <a:pPr algn="l"/>
             <a:r>
-              <a:rPr lang="en-US" sz="5000" b="0" dirty="0" smtClean="0">
-                <a:solidFill>
-                  <a:schemeClr val="tx1"/>
-                </a:solidFill>
-                <a:latin typeface="Calibri" charset="0"/>
-                <a:ea typeface="Calibri" charset="0"/>
-                <a:cs typeface="Calibri" charset="0"/>
-              </a:rPr>
-              <a:t>	As </a:t>
-            </a:r>
-            <a:r>
-              <a:rPr lang="en-US" sz="5000" b="0" dirty="0">
-                <a:solidFill>
-                  <a:schemeClr val="tx1"/>
-                </a:solidFill>
-                <a:latin typeface="Calibri" charset="0"/>
-                <a:ea typeface="Calibri" charset="0"/>
-                <a:cs typeface="Calibri" charset="0"/>
-              </a:rPr>
-              <a:t>we both come from Java-based backgrounds, learning Python was a challenging yet exciting adventure for us. Although it was difficult to adapt to Python, learning stimulating ideas such as turtle graphics and how to incorporate music into our game made it worth it at the end. We also researched how the AI algorithm A* worked by watching videos and reading articles. Aside from the technical aspects, we also learned how to split up assignments in order to take the most efficient route in working </a:t>
-            </a:r>
-            <a:r>
-              <a:rPr lang="en-US" sz="5000" b="0" dirty="0" smtClean="0">
-                <a:solidFill>
-                  <a:schemeClr val="tx1"/>
-                </a:solidFill>
-                <a:latin typeface="Calibri" charset="0"/>
-                <a:ea typeface="Calibri" charset="0"/>
-                <a:cs typeface="Calibri" charset="0"/>
-              </a:rPr>
-              <a:t>together.</a:t>
-            </a:r>
+              <a:rPr lang="en-US" sz="5800" b="0" dirty="0" smtClean="0">
+                <a:solidFill>
+                  <a:schemeClr val="tx1"/>
+                </a:solidFill>
+                <a:latin typeface="+mn-lt"/>
+              </a:rPr>
+              <a:t>	Although </a:t>
+            </a:r>
+            <a:r>
+              <a:rPr lang="en-US" sz="5800" b="0" dirty="0">
+                <a:solidFill>
+                  <a:schemeClr val="tx1"/>
+                </a:solidFill>
+                <a:latin typeface="+mn-lt"/>
+              </a:rPr>
+              <a:t>it was difficult grasping Python, learning Turtle graphics, Pygame, and how to put music into our game made it worth it at the end. We also researched how the AI algorithm  A*works. Aside from the technical aspects, we learned how to efficiently split up the work and set goals each day.</a:t>
+            </a:r>
+            <a:endParaRPr lang="en-US" sz="5800" b="0" dirty="0">
+              <a:solidFill>
+                <a:schemeClr val="tx1"/>
+              </a:solidFill>
+              <a:latin typeface="+mn-lt"/>
+            </a:endParaRPr>
+          </a:p>
+          <a:p>
+            <a:pPr algn="l"/>
+            <a:r>
+              <a:rPr lang="en-US" sz="5800" b="0" dirty="0" smtClean="0">
+                <a:solidFill>
+                  <a:schemeClr val="tx1"/>
+                </a:solidFill>
+                <a:latin typeface="+mn-lt"/>
+              </a:rPr>
+              <a:t>	We </a:t>
+            </a:r>
+            <a:r>
+              <a:rPr lang="en-US" sz="5800" b="0" dirty="0">
+                <a:solidFill>
+                  <a:schemeClr val="tx1"/>
+                </a:solidFill>
+                <a:latin typeface="+mn-lt"/>
+              </a:rPr>
+              <a:t>planned on using a self-made snake graphic. However, many difficulties arose when we tried to include the graphic, so we decided to remain with the blue and black. In the future, we would like to include the graphic and continue researching AI, </a:t>
+            </a:r>
+            <a:r>
+              <a:rPr lang="en-US" sz="5800" b="0" dirty="0" smtClean="0">
+                <a:solidFill>
+                  <a:schemeClr val="tx1"/>
+                </a:solidFill>
+                <a:latin typeface="+mn-lt"/>
+              </a:rPr>
+              <a:t>maybe even </a:t>
+            </a:r>
+            <a:r>
+              <a:rPr lang="en-US" sz="5800" b="0" dirty="0">
+                <a:solidFill>
+                  <a:schemeClr val="tx1"/>
+                </a:solidFill>
+                <a:latin typeface="+mn-lt"/>
+              </a:rPr>
+              <a:t>incorporating </a:t>
+            </a:r>
+            <a:r>
+              <a:rPr lang="en-US" sz="5800" b="0" dirty="0" smtClean="0">
+                <a:solidFill>
+                  <a:schemeClr val="tx1"/>
+                </a:solidFill>
+                <a:latin typeface="+mn-lt"/>
+              </a:rPr>
+              <a:t>A</a:t>
+            </a:r>
+            <a:r>
+              <a:rPr lang="en-US" sz="5800" b="0" dirty="0">
+                <a:solidFill>
+                  <a:schemeClr val="tx1"/>
+                </a:solidFill>
+                <a:latin typeface="+mn-lt"/>
+              </a:rPr>
+              <a:t>* into the game</a:t>
+            </a:r>
+            <a:r>
+              <a:rPr lang="en-US" sz="5800" b="0" dirty="0" smtClean="0">
+                <a:solidFill>
+                  <a:schemeClr val="tx1"/>
+                </a:solidFill>
+                <a:latin typeface="+mn-lt"/>
+              </a:rPr>
+              <a:t>.</a:t>
+            </a:r>
+          </a:p>
+          <a:p>
+            <a:pPr algn="l"/>
+            <a:endParaRPr lang="en-US" sz="5400" b="0" dirty="0">
+              <a:solidFill>
+                <a:schemeClr val="tx1"/>
+              </a:solidFill>
+              <a:latin typeface="+mn-lt"/>
+            </a:endParaRPr>
+          </a:p>
+          <a:p>
             <a:endParaRPr lang="en-US" sz="5000" b="0" dirty="0">
               <a:solidFill>
                 <a:schemeClr val="tx1"/>
               </a:solidFill>
-              <a:latin typeface="Calibri" charset="0"/>
-              <a:ea typeface="Calibri" charset="0"/>
-              <a:cs typeface="Calibri" charset="0"/>
-            </a:endParaRPr>
-          </a:p>
-        </p:txBody>
-      </p:sp>
-      <p:sp>
-        <p:nvSpPr>
-          <p:cNvPr id="51" name="TextBox 50"/>
-          <p:cNvSpPr txBox="1"/>
-          <p:nvPr/>
-        </p:nvSpPr>
-        <p:spPr>
-          <a:xfrm>
-            <a:off x="756430" y="20116784"/>
-            <a:ext cx="16937050" cy="12095619"/>
-          </a:xfrm>
-          <a:prstGeom prst="rect">
-            <a:avLst/>
-          </a:prstGeom>
-          <a:solidFill>
-            <a:schemeClr val="bg2">
-              <a:lumMod val="90000"/>
-              <a:alpha val="38000"/>
-            </a:schemeClr>
-          </a:solidFill>
-        </p:spPr>
-        <p:txBody>
-          <a:bodyPr wrap="square" rtlCol="0">
-            <a:spAutoFit/>
-          </a:bodyPr>
-          <a:lstStyle/>
-          <a:p>
-            <a:r>
-              <a:rPr lang="en-US" sz="8000" dirty="0" smtClean="0">
-                <a:solidFill>
-                  <a:schemeClr val="tx1"/>
-                </a:solidFill>
-                <a:latin typeface="Lao MN" charset="0"/>
-                <a:ea typeface="Lao MN" charset="0"/>
-                <a:cs typeface="Lao MN" charset="0"/>
-              </a:rPr>
-              <a:t>In The Future</a:t>
-            </a:r>
-          </a:p>
-          <a:p>
-            <a:pPr algn="l"/>
-            <a:r>
-              <a:rPr lang="en-US" sz="4400" dirty="0" smtClean="0">
-                <a:solidFill>
-                  <a:schemeClr val="tx1"/>
-                </a:solidFill>
-                <a:latin typeface="Calibri" charset="0"/>
-                <a:ea typeface="Calibri" charset="0"/>
-                <a:cs typeface="Calibri" charset="0"/>
-              </a:rPr>
-              <a:t>	</a:t>
-            </a:r>
-            <a:r>
-              <a:rPr lang="en-US" sz="5000" b="0" dirty="0" smtClean="0">
-                <a:solidFill>
-                  <a:schemeClr val="tx1"/>
-                </a:solidFill>
-                <a:latin typeface="Calibri" charset="0"/>
-                <a:ea typeface="Calibri" charset="0"/>
-                <a:cs typeface="Calibri" charset="0"/>
-              </a:rPr>
-              <a:t>We </a:t>
-            </a:r>
-            <a:r>
-              <a:rPr lang="en-US" sz="5000" b="0" dirty="0">
-                <a:solidFill>
-                  <a:schemeClr val="tx1"/>
-                </a:solidFill>
-                <a:latin typeface="Calibri" charset="0"/>
-                <a:ea typeface="Calibri" charset="0"/>
-                <a:cs typeface="Calibri" charset="0"/>
-              </a:rPr>
-              <a:t>originally planned on incorporating a self-made snakeskin graphic into the body of the snake instead of using the flashing blue and black. However, as many difficulties arose when we tried to include the snakeskin image, we decided to remain with the blue and black graphic instead. In the future, we definitely would like to work towards programming a functioning snake game with the snakeskin graphic.</a:t>
-            </a:r>
-            <a:endParaRPr lang="en-US" sz="5000" b="0" dirty="0">
-              <a:solidFill>
-                <a:schemeClr val="tx1"/>
-              </a:solidFill>
-              <a:latin typeface="Calibri" charset="0"/>
-              <a:ea typeface="Calibri" charset="0"/>
-              <a:cs typeface="Calibri" charset="0"/>
-            </a:endParaRPr>
-          </a:p>
-          <a:p>
-            <a:pPr algn="l"/>
-            <a:r>
-              <a:rPr lang="en-US" sz="5000" b="0" dirty="0">
-                <a:solidFill>
-                  <a:schemeClr val="tx1"/>
-                </a:solidFill>
-                <a:latin typeface="Calibri" charset="0"/>
-                <a:ea typeface="Calibri" charset="0"/>
-                <a:cs typeface="Calibri" charset="0"/>
-              </a:rPr>
-              <a:t> We would also like to continue researching AI, and eventually, incorporate a working search algorithm such as A* into our current snake game</a:t>
-            </a:r>
-            <a:r>
-              <a:rPr lang="en-US" sz="5000" b="0" dirty="0" smtClean="0">
-                <a:solidFill>
-                  <a:schemeClr val="tx1"/>
-                </a:solidFill>
-                <a:latin typeface="Calibri" charset="0"/>
-                <a:ea typeface="Calibri" charset="0"/>
-                <a:cs typeface="Calibri" charset="0"/>
-              </a:rPr>
-              <a:t>.</a:t>
-            </a:r>
-          </a:p>
-          <a:p>
-            <a:pPr algn="l"/>
-            <a:endParaRPr lang="en-US" sz="4400" b="0" dirty="0">
-              <a:solidFill>
-                <a:schemeClr val="tx1"/>
-              </a:solidFill>
-              <a:latin typeface="Calibri" charset="0"/>
-              <a:ea typeface="Calibri" charset="0"/>
-              <a:cs typeface="Calibri" charset="0"/>
-            </a:endParaRPr>
-          </a:p>
-          <a:p>
-            <a:pPr algn="l"/>
-            <a:endParaRPr lang="en-US" sz="4400" b="0" dirty="0">
-              <a:solidFill>
-                <a:schemeClr val="tx1"/>
-              </a:solidFill>
-              <a:latin typeface="Calibri" charset="0"/>
-              <a:ea typeface="Calibri" charset="0"/>
-              <a:cs typeface="Calibri" charset="0"/>
-            </a:endParaRPr>
-          </a:p>
-          <a:p>
-            <a:pPr algn="l"/>
-            <a:endParaRPr lang="en-US" sz="2400" b="0" dirty="0" smtClean="0">
-              <a:solidFill>
-                <a:schemeClr val="tx1"/>
-              </a:solidFill>
-              <a:latin typeface="Calibri" charset="0"/>
-              <a:ea typeface="Calibri" charset="0"/>
-              <a:cs typeface="Calibri" charset="0"/>
-            </a:endParaRPr>
-          </a:p>
-          <a:p>
-            <a:pPr algn="l"/>
-            <a:endParaRPr lang="en-US" sz="4400" b="0" dirty="0">
-              <a:solidFill>
-                <a:schemeClr val="tx1"/>
-              </a:solidFill>
-              <a:latin typeface="Calibri" charset="0"/>
-              <a:ea typeface="Calibri" charset="0"/>
-              <a:cs typeface="Calibri" charset="0"/>
-            </a:endParaRPr>
-          </a:p>
-          <a:p>
-            <a:pPr algn="l"/>
-            <a:endParaRPr lang="en-US" sz="4400" b="0" dirty="0">
               <a:latin typeface="Calibri" charset="0"/>
               <a:ea typeface="Calibri" charset="0"/>
               <a:cs typeface="Calibri" charset="0"/>
@@ -6085,8 +6227,8 @@
         </p:nvSpPr>
         <p:spPr>
           <a:xfrm>
-            <a:off x="17782780" y="3370488"/>
-            <a:ext cx="7982523" cy="1938992"/>
+            <a:off x="17669174" y="3506983"/>
+            <a:ext cx="7982523" cy="2092881"/>
           </a:xfrm>
           <a:prstGeom prst="rect">
             <a:avLst/>
@@ -6101,7 +6243,7 @@
           <a:p>
             <a:pPr algn="r"/>
             <a:r>
-              <a:rPr lang="en-US" sz="6000" dirty="0" smtClean="0">
+              <a:rPr lang="en-US" sz="6500" dirty="0" smtClean="0">
                 <a:solidFill>
                   <a:schemeClr val="bg1"/>
                 </a:solidFill>
@@ -6111,14 +6253,6 @@
               </a:rPr>
               <a:t>Snake’s Turtle Graphics</a:t>
             </a:r>
-            <a:endParaRPr lang="en-US" sz="6000" dirty="0" smtClean="0">
-              <a:solidFill>
-                <a:schemeClr val="bg1"/>
-              </a:solidFill>
-              <a:latin typeface="Lao MN" charset="0"/>
-              <a:ea typeface="Lao MN" charset="0"/>
-              <a:cs typeface="Lao MN" charset="0"/>
-            </a:endParaRPr>
           </a:p>
         </p:txBody>
       </p:sp>
@@ -6130,8 +6264,8 @@
         </p:nvSpPr>
         <p:spPr>
           <a:xfrm>
-            <a:off x="807512" y="4778006"/>
-            <a:ext cx="8203096" cy="6001643"/>
+            <a:off x="760845" y="4988621"/>
+            <a:ext cx="8203096" cy="7571303"/>
           </a:xfrm>
           <a:prstGeom prst="rect">
             <a:avLst/>
@@ -6146,21 +6280,68 @@
           <a:p>
             <a:pPr algn="l"/>
             <a:r>
-              <a:rPr lang="en-US" sz="4800" dirty="0" smtClean="0">
+              <a:rPr lang="en-US" sz="5400" dirty="0">
                 <a:solidFill>
                   <a:schemeClr val="bg1"/>
                 </a:solidFill>
-                <a:latin typeface="Calibri" charset="0"/>
-                <a:ea typeface="Calibri" charset="0"/>
-                <a:cs typeface="Calibri" charset="0"/>
-              </a:rPr>
-              <a:t>The apple is a turtle graphic. When the apple’s x and y coordinates are equal to the snake head’s coordinates, the apple respawns on a random point on the screen and the snake gets longer by adding a new part into the snake’s body.</a:t>
-            </a:r>
-            <a:endParaRPr lang="en-US" sz="4800" dirty="0">
+                <a:latin typeface="+mn-lt"/>
+              </a:rPr>
+              <a:t>The apple is a turtle graphic. When its x and y coordinates are equal to the snake head’s coordinates, the apple </a:t>
+            </a:r>
+            <a:r>
+              <a:rPr lang="en-US" sz="5400" dirty="0" smtClean="0">
+                <a:solidFill>
+                  <a:schemeClr val="bg1"/>
+                </a:solidFill>
+                <a:latin typeface="+mn-lt"/>
+              </a:rPr>
+              <a:t>randomly respawns and</a:t>
+            </a:r>
+          </a:p>
+          <a:p>
+            <a:pPr algn="l"/>
+            <a:r>
+              <a:rPr lang="en-US" sz="5400" dirty="0" smtClean="0">
+                <a:solidFill>
+                  <a:schemeClr val="bg1"/>
+                </a:solidFill>
+                <a:latin typeface="+mn-lt"/>
+              </a:rPr>
+              <a:t>the </a:t>
+            </a:r>
+            <a:r>
+              <a:rPr lang="en-US" sz="5400" dirty="0">
+                <a:solidFill>
+                  <a:schemeClr val="bg1"/>
+                </a:solidFill>
+                <a:latin typeface="+mn-lt"/>
+              </a:rPr>
+              <a:t>snake gets longer.</a:t>
+            </a:r>
+            <a:endParaRPr lang="en-US" sz="5400" b="0" dirty="0">
               <a:solidFill>
                 <a:schemeClr val="bg1"/>
               </a:solidFill>
-              <a:latin typeface="Calibri" charset="0"/>
+              <a:latin typeface="+mn-lt"/>
+            </a:endParaRPr>
+          </a:p>
+          <a:p>
+            <a:r>
+              <a:rPr lang="en-US" sz="5400" dirty="0">
+                <a:latin typeface="+mn-lt"/>
+              </a:rPr>
+              <a:t/>
+            </a:r>
+            <a:br>
+              <a:rPr lang="en-US" sz="5400" dirty="0">
+                <a:latin typeface="+mn-lt"/>
+              </a:rPr>
+            </a:br>
+            <a:endParaRPr lang="en-US" sz="5400" dirty="0">
+              <a:solidFill>
+                <a:schemeClr val="bg1"/>
+              </a:solidFill>
+              <a:latin typeface="+mn-lt"/>
               <a:ea typeface="Calibri" charset="0"/>
               <a:cs typeface="Calibri" charset="0"/>
             </a:endParaRPr>
@@ -6175,8 +6356,8 @@
         </p:nvSpPr>
         <p:spPr>
           <a:xfrm>
-            <a:off x="9512064" y="4778006"/>
-            <a:ext cx="8036179" cy="6001643"/>
+            <a:off x="9513886" y="5079674"/>
+            <a:ext cx="8036179" cy="7571303"/>
           </a:xfrm>
           <a:prstGeom prst="rect">
             <a:avLst/>
@@ -6191,21 +6372,84 @@
           <a:p>
             <a:pPr algn="l"/>
             <a:r>
-              <a:rPr lang="en-US" sz="4800" dirty="0" smtClean="0">
+              <a:rPr lang="en-US" sz="5400" dirty="0">
                 <a:solidFill>
                   <a:schemeClr val="bg1"/>
                 </a:solidFill>
-                <a:latin typeface="Calibri" charset="0"/>
-                <a:ea typeface="Calibri" charset="0"/>
-                <a:cs typeface="Calibri" charset="0"/>
-              </a:rPr>
-              <a:t>Each square of the snake is a turtle graphic. All the coordinates are stored in a list. A next position point is stored to move the snake along. A head position is used to detect collisions with other parts, the wall, or the apple.</a:t>
-            </a:r>
-            <a:endParaRPr lang="en-US" sz="4800" dirty="0">
+                <a:latin typeface="+mn-lt"/>
+              </a:rPr>
+              <a:t>Each square of </a:t>
+            </a:r>
+            <a:r>
+              <a:rPr lang="en-US" sz="5400">
+                <a:solidFill>
+                  <a:schemeClr val="bg1"/>
+                </a:solidFill>
+                <a:latin typeface="+mn-lt"/>
+              </a:rPr>
+              <a:t>the </a:t>
+            </a:r>
+            <a:r>
+              <a:rPr lang="en-US" sz="5400" smtClean="0">
+                <a:solidFill>
+                  <a:schemeClr val="bg1"/>
+                </a:solidFill>
+                <a:latin typeface="+mn-lt"/>
+              </a:rPr>
+              <a:t>snake </a:t>
+            </a:r>
+          </a:p>
+          <a:p>
+            <a:pPr algn="l"/>
+            <a:r>
+              <a:rPr lang="en-US" sz="5400" dirty="0" smtClean="0">
+                <a:solidFill>
+                  <a:schemeClr val="bg1"/>
+                </a:solidFill>
+                <a:latin typeface="+mn-lt"/>
+              </a:rPr>
+              <a:t>is </a:t>
+            </a:r>
+            <a:r>
+              <a:rPr lang="en-US" sz="5400" dirty="0">
+                <a:solidFill>
+                  <a:schemeClr val="bg1"/>
+                </a:solidFill>
+                <a:latin typeface="+mn-lt"/>
+              </a:rPr>
+              <a:t>a turtle graphic. All the coordinates are stored in a list. A “next position” point is stored to move the snake along. A “head position” is used to detect collisions.</a:t>
+            </a:r>
+            <a:endParaRPr lang="en-US" sz="5400" b="0" dirty="0">
               <a:solidFill>
                 <a:schemeClr val="bg1"/>
               </a:solidFill>
-              <a:latin typeface="Calibri" charset="0"/>
+              <a:latin typeface="+mn-lt"/>
+            </a:endParaRPr>
+          </a:p>
+          <a:p>
+            <a:pPr algn="l"/>
+            <a:r>
+              <a:rPr lang="en-US" sz="5400" dirty="0">
+                <a:solidFill>
+                  <a:schemeClr val="bg1"/>
+                </a:solidFill>
+                <a:latin typeface="+mn-lt"/>
+              </a:rPr>
+              <a:t/>
+            </a:r>
+            <a:br>
+              <a:rPr lang="en-US" sz="5400" dirty="0">
+                <a:solidFill>
+                  <a:schemeClr val="bg1"/>
+                </a:solidFill>
+                <a:latin typeface="+mn-lt"/>
+              </a:rPr>
+            </a:br>
+            <a:endParaRPr lang="en-US" sz="5400" dirty="0">
+              <a:solidFill>
+                <a:schemeClr val="bg1"/>
+              </a:solidFill>
+              <a:latin typeface="+mn-lt"/>
               <a:ea typeface="Calibri" charset="0"/>
               <a:cs typeface="Calibri" charset="0"/>
             </a:endParaRPr>
@@ -6220,8 +6464,8 @@
         </p:nvSpPr>
         <p:spPr>
           <a:xfrm>
-            <a:off x="18123332" y="4361855"/>
-            <a:ext cx="8036179" cy="6463308"/>
+            <a:off x="18146824" y="5606219"/>
+            <a:ext cx="8036179" cy="7017306"/>
           </a:xfrm>
           <a:prstGeom prst="rect">
             <a:avLst/>
@@ -6236,35 +6480,90 @@
           <a:p>
             <a:pPr algn="l"/>
             <a:r>
-              <a:rPr lang="en-US" sz="4600" dirty="0" smtClean="0">
+              <a:rPr lang="en-US" sz="5000">
                 <a:solidFill>
                   <a:schemeClr val="bg1"/>
                 </a:solidFill>
-                <a:latin typeface="Calibri" charset="0"/>
-                <a:ea typeface="Calibri" charset="0"/>
-                <a:cs typeface="Calibri" charset="0"/>
-              </a:rPr>
-              <a:t>The snake body </a:t>
-            </a:r>
-          </a:p>
-          <a:p>
-            <a:pPr algn="l"/>
-            <a:r>
-              <a:rPr lang="en-US" sz="4600" dirty="0" smtClean="0">
+                <a:latin typeface="+mn-lt"/>
+              </a:rPr>
+              <a:t>The </a:t>
+            </a:r>
+            <a:r>
+              <a:rPr lang="en-US" sz="5000" smtClean="0">
                 <a:solidFill>
                   <a:schemeClr val="bg1"/>
                 </a:solidFill>
-                <a:latin typeface="Calibri" charset="0"/>
-                <a:ea typeface="Calibri" charset="0"/>
-                <a:cs typeface="Calibri" charset="0"/>
-              </a:rPr>
-              <a:t>appears to move by creating a new turtle graphic at its next position, becoming the new head. The last turtle graphic, the tail, is deleted. Thus, the body’s list is constantly deleting and adding. This happens every frame to create movement.</a:t>
-            </a:r>
-            <a:endParaRPr lang="en-US" sz="4600" dirty="0">
+                <a:latin typeface="+mn-lt"/>
+              </a:rPr>
+              <a:t>snake</a:t>
+            </a:r>
+            <a:r>
+              <a:rPr lang="en-US" sz="5000" b="0" dirty="0" smtClean="0">
+                <a:solidFill>
+                  <a:schemeClr val="bg1"/>
+                </a:solidFill>
+                <a:latin typeface="+mn-lt"/>
+              </a:rPr>
+              <a:t> </a:t>
+            </a:r>
+            <a:r>
+              <a:rPr lang="en-US" sz="5000" smtClean="0">
+                <a:solidFill>
+                  <a:schemeClr val="bg1"/>
+                </a:solidFill>
+                <a:latin typeface="+mn-lt"/>
+              </a:rPr>
+              <a:t>appears </a:t>
+            </a:r>
+            <a:r>
+              <a:rPr lang="en-US" sz="5000" dirty="0">
+                <a:solidFill>
+                  <a:schemeClr val="bg1"/>
+                </a:solidFill>
+                <a:latin typeface="+mn-lt"/>
+              </a:rPr>
+              <a:t>to move by creating a new turtle graphic at its “next position”, or the new head. The last turtle graphic, the tail, is deleted. </a:t>
+            </a:r>
+            <a:r>
+              <a:rPr lang="en-US" sz="5000" dirty="0" smtClean="0">
+                <a:solidFill>
+                  <a:schemeClr val="bg1"/>
+                </a:solidFill>
+                <a:latin typeface="+mn-lt"/>
+              </a:rPr>
+              <a:t>(Visual diagram below)</a:t>
+            </a:r>
+            <a:endParaRPr lang="en-US" sz="5000" b="0" dirty="0">
               <a:solidFill>
                 <a:schemeClr val="bg1"/>
               </a:solidFill>
-              <a:latin typeface="Calibri" charset="0"/>
+              <a:latin typeface="+mn-lt"/>
+            </a:endParaRPr>
+          </a:p>
+          <a:p>
+            <a:pPr algn="l"/>
+            <a:r>
+              <a:rPr lang="en-US" sz="5000" dirty="0">
+                <a:solidFill>
+                  <a:schemeClr val="bg1"/>
+                </a:solidFill>
+                <a:latin typeface="+mn-lt"/>
+              </a:rPr>
+              <a:t/>
+            </a:r>
+            <a:br>
+              <a:rPr lang="en-US" sz="5000" dirty="0">
+                <a:solidFill>
+                  <a:schemeClr val="bg1"/>
+                </a:solidFill>
+                <a:latin typeface="+mn-lt"/>
+              </a:rPr>
+            </a:br>
+            <a:endParaRPr lang="en-US" sz="5000" dirty="0">
+              <a:solidFill>
+                <a:schemeClr val="bg1"/>
+              </a:solidFill>
+              <a:latin typeface="+mn-lt"/>
               <a:ea typeface="Calibri" charset="0"/>
               <a:cs typeface="Calibri" charset="0"/>
             </a:endParaRPr>
@@ -6279,7 +6578,7 @@
         </p:nvSpPr>
         <p:spPr>
           <a:xfrm>
-            <a:off x="18054791" y="12857135"/>
+            <a:off x="18105846" y="14034693"/>
             <a:ext cx="8036179" cy="6740307"/>
           </a:xfrm>
           <a:prstGeom prst="rect">
@@ -6295,21 +6594,63 @@
           <a:p>
             <a:pPr algn="l"/>
             <a:r>
-              <a:rPr lang="en-US" sz="4800" dirty="0" smtClean="0">
+              <a:rPr lang="en-US" sz="5400" dirty="0">
                 <a:solidFill>
                   <a:schemeClr val="bg1"/>
                 </a:solidFill>
-                <a:latin typeface="Calibri" charset="0"/>
-                <a:ea typeface="Calibri" charset="0"/>
-                <a:cs typeface="Calibri" charset="0"/>
-              </a:rPr>
-              <a:t>The screen listens for key presses to change the direction of the snake or execute other commands. When a key is pressed it calls a certain method, such as move up when the “w” or the “up” key is pressed to move the snake in the upward direction. </a:t>
-            </a:r>
-            <a:endParaRPr lang="en-US" sz="4800" dirty="0">
+                <a:latin typeface="+mn-lt"/>
+              </a:rPr>
+              <a:t>The screen listens for a keyboard press in order to </a:t>
+            </a:r>
+            <a:r>
+              <a:rPr lang="en-US" sz="5400" dirty="0" smtClean="0">
+                <a:solidFill>
+                  <a:schemeClr val="bg1"/>
+                </a:solidFill>
+                <a:latin typeface="+mn-lt"/>
+              </a:rPr>
+              <a:t>call</a:t>
+            </a:r>
+            <a:r>
+              <a:rPr lang="en-US" sz="5400" dirty="0">
+                <a:solidFill>
+                  <a:schemeClr val="bg1"/>
+                </a:solidFill>
+                <a:latin typeface="+mn-lt"/>
+              </a:rPr>
+              <a:t> a correlating method such as moving the snake up when the “w” or the “up” key is pressed. </a:t>
+            </a:r>
+            <a:endParaRPr lang="en-US" sz="5400" b="0" dirty="0">
               <a:solidFill>
                 <a:schemeClr val="bg1"/>
               </a:solidFill>
-              <a:latin typeface="Calibri" charset="0"/>
+              <a:latin typeface="+mn-lt"/>
+            </a:endParaRPr>
+          </a:p>
+          <a:p>
+            <a:pPr algn="l"/>
+            <a:r>
+              <a:rPr lang="en-US" sz="5400" dirty="0">
+                <a:solidFill>
+                  <a:schemeClr val="bg1"/>
+                </a:solidFill>
+                <a:latin typeface="+mn-lt"/>
+              </a:rPr>
+              <a:t/>
+            </a:r>
+            <a:br>
+              <a:rPr lang="en-US" sz="5400" dirty="0">
+                <a:solidFill>
+                  <a:schemeClr val="bg1"/>
+                </a:solidFill>
+                <a:latin typeface="+mn-lt"/>
+              </a:rPr>
+            </a:br>
+            <a:endParaRPr lang="en-US" sz="5400" dirty="0">
+              <a:solidFill>
+                <a:schemeClr val="bg1"/>
+              </a:solidFill>
+              <a:latin typeface="+mn-lt"/>
               <a:ea typeface="Calibri" charset="0"/>
               <a:cs typeface="Calibri" charset="0"/>
             </a:endParaRPr>
@@ -6324,8 +6665,8 @@
         </p:nvSpPr>
         <p:spPr>
           <a:xfrm>
-            <a:off x="18123332" y="21185378"/>
-            <a:ext cx="8036179" cy="6740307"/>
+            <a:off x="18274746" y="21827795"/>
+            <a:ext cx="8036179" cy="7571303"/>
           </a:xfrm>
           <a:prstGeom prst="rect">
             <a:avLst/>
@@ -6340,43 +6681,108 @@
           <a:p>
             <a:pPr algn="l"/>
             <a:r>
-              <a:rPr lang="en-US" sz="4800" dirty="0" smtClean="0">
+              <a:rPr lang="en-US" sz="5400" dirty="0">
                 <a:solidFill>
                   <a:schemeClr val="bg1"/>
                 </a:solidFill>
-                <a:latin typeface="Calibri" charset="0"/>
-                <a:ea typeface="Calibri" charset="0"/>
-                <a:cs typeface="Calibri" charset="0"/>
-              </a:rPr>
-              <a:t>Each frame, the game makes sure that the music is still playing, and that the sounds play when they are supposed to. For example, applause will only play when a new high score is made </a:t>
-            </a:r>
-            <a:r>
-              <a:rPr lang="en-US" sz="4800" dirty="0">
-                <a:solidFill>
-                  <a:schemeClr val="bg1"/>
-                </a:solidFill>
-                <a:latin typeface="Calibri" charset="0"/>
-                <a:ea typeface="Calibri" charset="0"/>
-                <a:cs typeface="Calibri" charset="0"/>
-              </a:rPr>
-              <a:t>a</a:t>
-            </a:r>
-            <a:r>
-              <a:rPr lang="en-US" sz="4800" dirty="0" smtClean="0">
-                <a:solidFill>
-                  <a:schemeClr val="bg1"/>
-                </a:solidFill>
-                <a:latin typeface="Calibri" charset="0"/>
-                <a:ea typeface="Calibri" charset="0"/>
-                <a:cs typeface="Calibri" charset="0"/>
-              </a:rPr>
-              <a:t>nd the food effect will only play when the snake has reached its apple.</a:t>
-            </a:r>
-            <a:endParaRPr lang="en-US" sz="4800" dirty="0">
+                <a:latin typeface="+mn-lt"/>
+              </a:rPr>
+              <a:t>The game makes sure </a:t>
+            </a:r>
+            <a:endParaRPr lang="en-US" sz="5400" dirty="0" smtClean="0">
               <a:solidFill>
                 <a:schemeClr val="bg1"/>
               </a:solidFill>
-              <a:latin typeface="Calibri" charset="0"/>
+              <a:latin typeface="+mn-lt"/>
+            </a:endParaRPr>
+          </a:p>
+          <a:p>
+            <a:pPr algn="l"/>
+            <a:r>
+              <a:rPr lang="en-US" sz="5400" dirty="0" smtClean="0">
+                <a:solidFill>
+                  <a:schemeClr val="bg1"/>
+                </a:solidFill>
+                <a:latin typeface="+mn-lt"/>
+              </a:rPr>
+              <a:t>the </a:t>
+            </a:r>
+            <a:r>
+              <a:rPr lang="en-US" sz="5400" dirty="0">
+                <a:solidFill>
+                  <a:schemeClr val="bg1"/>
+                </a:solidFill>
+                <a:latin typeface="+mn-lt"/>
+              </a:rPr>
+              <a:t>background </a:t>
+            </a:r>
+            <a:r>
+              <a:rPr lang="en-US" sz="5400" dirty="0" smtClean="0">
+                <a:solidFill>
+                  <a:schemeClr val="bg1"/>
+                </a:solidFill>
+                <a:latin typeface="+mn-lt"/>
+              </a:rPr>
+              <a:t>music loops so </a:t>
+            </a:r>
+            <a:r>
+              <a:rPr lang="en-US" sz="5400" dirty="0">
+                <a:solidFill>
+                  <a:schemeClr val="bg1"/>
+                </a:solidFill>
+                <a:latin typeface="+mn-lt"/>
+              </a:rPr>
+              <a:t>it never stops and specific sound effects play. For </a:t>
+            </a:r>
+            <a:r>
+              <a:rPr lang="en-US" sz="5400" dirty="0" smtClean="0">
+                <a:solidFill>
+                  <a:schemeClr val="bg1"/>
+                </a:solidFill>
+                <a:latin typeface="+mn-lt"/>
+              </a:rPr>
+              <a:t>example, applause </a:t>
+            </a:r>
+            <a:r>
+              <a:rPr lang="en-US" sz="5400" dirty="0">
+                <a:solidFill>
+                  <a:schemeClr val="bg1"/>
+                </a:solidFill>
+                <a:latin typeface="+mn-lt"/>
+              </a:rPr>
+              <a:t>will only play when a new high score is made.</a:t>
+            </a:r>
+            <a:endParaRPr lang="en-US" sz="5400" b="0" dirty="0">
+              <a:solidFill>
+                <a:schemeClr val="bg1"/>
+              </a:solidFill>
+              <a:latin typeface="+mn-lt"/>
+            </a:endParaRPr>
+          </a:p>
+          <a:p>
+            <a:pPr algn="l"/>
+            <a:r>
+              <a:rPr lang="en-US" sz="5400" dirty="0">
+                <a:solidFill>
+                  <a:schemeClr val="bg1"/>
+                </a:solidFill>
+                <a:latin typeface="+mn-lt"/>
+              </a:rPr>
+              <a:t/>
+            </a:r>
+            <a:br>
+              <a:rPr lang="en-US" sz="5400" dirty="0">
+                <a:solidFill>
+                  <a:schemeClr val="bg1"/>
+                </a:solidFill>
+                <a:latin typeface="+mn-lt"/>
+              </a:rPr>
+            </a:br>
+            <a:endParaRPr lang="en-US" sz="5400" dirty="0">
+              <a:solidFill>
+                <a:schemeClr val="bg1"/>
+              </a:solidFill>
+              <a:latin typeface="+mn-lt"/>
               <a:ea typeface="Calibri" charset="0"/>
               <a:cs typeface="Calibri" charset="0"/>
             </a:endParaRPr>
@@ -6407,35 +6813,91 @@
           <a:p>
             <a:pPr algn="l"/>
             <a:r>
-              <a:rPr lang="en-US" sz="4800" dirty="0" smtClean="0">
+              <a:rPr lang="en-US" sz="5400" dirty="0">
                 <a:solidFill>
                   <a:schemeClr val="bg1"/>
                 </a:solidFill>
-                <a:latin typeface="Calibri" charset="0"/>
-                <a:ea typeface="Calibri" charset="0"/>
-                <a:cs typeface="Calibri" charset="0"/>
-              </a:rPr>
-              <a:t>This snake game </a:t>
-            </a:r>
-          </a:p>
-          <a:p>
-            <a:pPr algn="l"/>
-            <a:r>
-              <a:rPr lang="en-US" sz="4800" dirty="0" smtClean="0">
-                <a:solidFill>
-                  <a:schemeClr val="bg1"/>
-                </a:solidFill>
-                <a:latin typeface="Calibri" charset="0"/>
-                <a:ea typeface="Calibri" charset="0"/>
-                <a:cs typeface="Calibri" charset="0"/>
-              </a:rPr>
-              <a:t>has a feature to load an old game and save your game mid-play.  When you continue a game, the game reads a text file for the coordinates of the apple and each of the snake’s body parts to load them in the game properly.</a:t>
-            </a:r>
-            <a:endParaRPr lang="en-US" sz="4800" dirty="0">
+                <a:latin typeface="+mn-lt"/>
+              </a:rPr>
+              <a:t>This feature</a:t>
+            </a:r>
+            <a:endParaRPr lang="en-US" sz="5400" b="0" dirty="0">
               <a:solidFill>
                 <a:schemeClr val="bg1"/>
               </a:solidFill>
-              <a:latin typeface="Calibri" charset="0"/>
+              <a:latin typeface="+mn-lt"/>
+            </a:endParaRPr>
+          </a:p>
+          <a:p>
+            <a:pPr algn="l"/>
+            <a:r>
+              <a:rPr lang="en-US" sz="5400" dirty="0">
+                <a:solidFill>
+                  <a:schemeClr val="bg1"/>
+                </a:solidFill>
+                <a:latin typeface="+mn-lt"/>
+              </a:rPr>
+              <a:t>lets you load an old game and save your game mid-play.  When you continue </a:t>
+            </a:r>
+            <a:endParaRPr lang="en-US" sz="5400" dirty="0" smtClean="0">
+              <a:solidFill>
+                <a:schemeClr val="bg1"/>
+              </a:solidFill>
+              <a:latin typeface="+mn-lt"/>
+            </a:endParaRPr>
+          </a:p>
+          <a:p>
+            <a:pPr algn="l"/>
+            <a:r>
+              <a:rPr lang="en-US" sz="5400" dirty="0" smtClean="0">
+                <a:solidFill>
+                  <a:schemeClr val="bg1"/>
+                </a:solidFill>
+                <a:latin typeface="+mn-lt"/>
+              </a:rPr>
+              <a:t>a </a:t>
+            </a:r>
+            <a:r>
+              <a:rPr lang="en-US" sz="5400" dirty="0">
+                <a:solidFill>
+                  <a:schemeClr val="bg1"/>
+                </a:solidFill>
+                <a:latin typeface="+mn-lt"/>
+              </a:rPr>
+              <a:t>game, it reads a text file for the coordinates of the apple and </a:t>
+            </a:r>
+            <a:r>
+              <a:rPr lang="en-US" sz="5400" dirty="0" smtClean="0">
+                <a:solidFill>
+                  <a:schemeClr val="bg1"/>
+                </a:solidFill>
+                <a:latin typeface="+mn-lt"/>
+              </a:rPr>
+              <a:t>snake to </a:t>
+            </a:r>
+            <a:r>
+              <a:rPr lang="en-US" sz="5400" dirty="0">
+                <a:solidFill>
+                  <a:schemeClr val="bg1"/>
+                </a:solidFill>
+                <a:latin typeface="+mn-lt"/>
+              </a:rPr>
+              <a:t>load them in the game</a:t>
+            </a:r>
+            <a:r>
+              <a:rPr lang="en-US" sz="5400" dirty="0" smtClean="0">
+                <a:solidFill>
+                  <a:schemeClr val="bg1"/>
+                </a:solidFill>
+                <a:latin typeface="+mn-lt"/>
+              </a:rPr>
+              <a:t>.</a:t>
+            </a:r>
+            <a:endParaRPr lang="en-US" sz="5400" dirty="0">
+              <a:solidFill>
+                <a:schemeClr val="bg1"/>
+              </a:solidFill>
+              <a:latin typeface="+mn-lt"/>
               <a:ea typeface="Calibri" charset="0"/>
               <a:cs typeface="Calibri" charset="0"/>
             </a:endParaRPr>
@@ -6450,8 +6912,8 @@
         </p:nvSpPr>
         <p:spPr>
           <a:xfrm>
-            <a:off x="35350163" y="21268433"/>
-            <a:ext cx="8036179" cy="6463308"/>
+            <a:off x="35136527" y="22015988"/>
+            <a:ext cx="8036179" cy="5909310"/>
           </a:xfrm>
           <a:prstGeom prst="rect">
             <a:avLst/>
@@ -6466,37 +6928,46 @@
           <a:p>
             <a:pPr algn="l"/>
             <a:r>
-              <a:rPr lang="en-US" sz="4600" dirty="0" smtClean="0">
+              <a:rPr lang="en-US" sz="5400" dirty="0">
                 <a:solidFill>
                   <a:schemeClr val="bg1"/>
                 </a:solidFill>
-                <a:latin typeface="Calibri" charset="0"/>
-                <a:ea typeface="Calibri" charset="0"/>
-                <a:cs typeface="Calibri" charset="0"/>
-              </a:rPr>
-              <a:t>When the game </a:t>
-            </a:r>
-          </a:p>
-          <a:p>
-            <a:pPr algn="l"/>
-            <a:r>
-              <a:rPr lang="en-US" sz="4600" dirty="0" smtClean="0">
+                <a:latin typeface="+mn-lt"/>
+              </a:rPr>
+              <a:t>When the </a:t>
+            </a:r>
+            <a:r>
+              <a:rPr lang="en-US" sz="5400" dirty="0" smtClean="0">
                 <a:solidFill>
                   <a:schemeClr val="bg1"/>
                 </a:solidFill>
-                <a:latin typeface="Calibri" charset="0"/>
-                <a:ea typeface="Calibri" charset="0"/>
-                <a:cs typeface="Calibri" charset="0"/>
-              </a:rPr>
-              <a:t>saves, it writes in the save file, overriding the old coordinates with the new ones for a new save. A different text file is used to keep track of a high score. That file is read when the game is opened and updates with new high scores.</a:t>
-            </a:r>
-            <a:endParaRPr lang="en-US" sz="4600" dirty="0">
+                <a:latin typeface="+mn-lt"/>
+              </a:rPr>
+              <a:t>game </a:t>
+            </a:r>
+            <a:endParaRPr lang="en-US" sz="5400" b="0" dirty="0" smtClean="0">
               <a:solidFill>
                 <a:schemeClr val="bg1"/>
               </a:solidFill>
-              <a:latin typeface="Calibri" charset="0"/>
-              <a:ea typeface="Calibri" charset="0"/>
-              <a:cs typeface="Calibri" charset="0"/>
+              <a:latin typeface="+mn-lt"/>
+            </a:endParaRPr>
+          </a:p>
+          <a:p>
+            <a:pPr algn="l"/>
+            <a:r>
+              <a:rPr lang="en-US" sz="5400" dirty="0" smtClean="0">
+                <a:solidFill>
+                  <a:schemeClr val="bg1"/>
+                </a:solidFill>
+                <a:latin typeface="+mn-lt"/>
+              </a:rPr>
+              <a:t>saves, it writes the coordinates of the apple and snake in the save file. Another text file is used to keep track of and read in a high score. </a:t>
+            </a:r>
+            <a:endParaRPr lang="en-US" sz="5400" b="0" dirty="0" smtClean="0">
+              <a:solidFill>
+                <a:schemeClr val="bg1"/>
+              </a:solidFill>
+              <a:latin typeface="+mn-lt"/>
             </a:endParaRPr>
           </a:p>
         </p:txBody>
@@ -6523,8 +6994,8 @@
         </p:blipFill>
         <p:spPr>
           <a:xfrm>
-            <a:off x="36082261" y="8567065"/>
-            <a:ext cx="6508233" cy="3304646"/>
+            <a:off x="34482796" y="8185113"/>
+            <a:ext cx="8266114" cy="3582375"/>
           </a:xfrm>
           <a:prstGeom prst="rect">
             <a:avLst/>
@@ -6533,7 +7004,7 @@
       </p:pic>
       <p:pic>
         <p:nvPicPr>
-          <p:cNvPr id="5" name="Picture 4"/>
+          <p:cNvPr id="6" name="Picture 5"/>
           <p:cNvPicPr>
             <a:picLocks noChangeAspect="1"/>
           </p:cNvPicPr>
@@ -6553,8 +7024,8 @@
         </p:blipFill>
         <p:spPr>
           <a:xfrm>
-            <a:off x="14636285" y="29124030"/>
-            <a:ext cx="2706816" cy="2706816"/>
+            <a:off x="6452406" y="29983520"/>
+            <a:ext cx="1427967" cy="1427967"/>
           </a:xfrm>
           <a:prstGeom prst="rect">
             <a:avLst/>
@@ -6563,7 +7034,227 @@
       </p:pic>
       <p:pic>
         <p:nvPicPr>
-          <p:cNvPr id="6" name="Picture 5"/>
+          <p:cNvPr id="46" name="Picture 45"/>
+          <p:cNvPicPr>
+            <a:picLocks noChangeAspect="1"/>
+          </p:cNvPicPr>
+          <p:nvPr/>
+        </p:nvPicPr>
+        <p:blipFill>
+          <a:blip r:embed="rId5">
+            <a:extLst>
+              <a:ext uri="{28A0092B-C50C-407E-A947-70E740481C1C}">
+                <a14:useLocalDpi xmlns:a14="http://schemas.microsoft.com/office/drawing/2010/main" val="0"/>
+              </a:ext>
+            </a:extLst>
+          </a:blip>
+          <a:stretch>
+            <a:fillRect/>
+          </a:stretch>
+        </p:blipFill>
+        <p:spPr>
+          <a:xfrm>
+            <a:off x="5024439" y="29976755"/>
+            <a:ext cx="1427967" cy="1427967"/>
+          </a:xfrm>
+          <a:prstGeom prst="rect">
+            <a:avLst/>
+          </a:prstGeom>
+        </p:spPr>
+      </p:pic>
+      <p:pic>
+        <p:nvPicPr>
+          <p:cNvPr id="47" name="Picture 46"/>
+          <p:cNvPicPr>
+            <a:picLocks noChangeAspect="1"/>
+          </p:cNvPicPr>
+          <p:nvPr/>
+        </p:nvPicPr>
+        <p:blipFill>
+          <a:blip r:embed="rId5">
+            <a:extLst>
+              <a:ext uri="{28A0092B-C50C-407E-A947-70E740481C1C}">
+                <a14:useLocalDpi xmlns:a14="http://schemas.microsoft.com/office/drawing/2010/main" val="0"/>
+              </a:ext>
+            </a:extLst>
+          </a:blip>
+          <a:stretch>
+            <a:fillRect/>
+          </a:stretch>
+        </p:blipFill>
+        <p:spPr>
+          <a:xfrm>
+            <a:off x="9308340" y="29983518"/>
+            <a:ext cx="1427967" cy="1427967"/>
+          </a:xfrm>
+          <a:prstGeom prst="rect">
+            <a:avLst/>
+          </a:prstGeom>
+        </p:spPr>
+      </p:pic>
+      <p:pic>
+        <p:nvPicPr>
+          <p:cNvPr id="48" name="Picture 47"/>
+          <p:cNvPicPr>
+            <a:picLocks noChangeAspect="1"/>
+          </p:cNvPicPr>
+          <p:nvPr/>
+        </p:nvPicPr>
+        <p:blipFill>
+          <a:blip r:embed="rId5">
+            <a:extLst>
+              <a:ext uri="{28A0092B-C50C-407E-A947-70E740481C1C}">
+                <a14:useLocalDpi xmlns:a14="http://schemas.microsoft.com/office/drawing/2010/main" val="0"/>
+              </a:ext>
+            </a:extLst>
+          </a:blip>
+          <a:stretch>
+            <a:fillRect/>
+          </a:stretch>
+        </p:blipFill>
+        <p:spPr>
+          <a:xfrm>
+            <a:off x="7876438" y="29983519"/>
+            <a:ext cx="1427967" cy="1427967"/>
+          </a:xfrm>
+          <a:prstGeom prst="rect">
+            <a:avLst/>
+          </a:prstGeom>
+        </p:spPr>
+      </p:pic>
+      <p:pic>
+        <p:nvPicPr>
+          <p:cNvPr id="54" name="Picture 53"/>
+          <p:cNvPicPr>
+            <a:picLocks noChangeAspect="1"/>
+          </p:cNvPicPr>
+          <p:nvPr/>
+        </p:nvPicPr>
+        <p:blipFill>
+          <a:blip r:embed="rId5">
+            <a:extLst>
+              <a:ext uri="{28A0092B-C50C-407E-A947-70E740481C1C}">
+                <a14:useLocalDpi xmlns:a14="http://schemas.microsoft.com/office/drawing/2010/main" val="0"/>
+              </a:ext>
+            </a:extLst>
+          </a:blip>
+          <a:stretch>
+            <a:fillRect/>
+          </a:stretch>
+        </p:blipFill>
+        <p:spPr>
+          <a:xfrm>
+            <a:off x="2168505" y="29978632"/>
+            <a:ext cx="1427967" cy="1427967"/>
+          </a:xfrm>
+          <a:prstGeom prst="rect">
+            <a:avLst/>
+          </a:prstGeom>
+        </p:spPr>
+      </p:pic>
+      <p:pic>
+        <p:nvPicPr>
+          <p:cNvPr id="55" name="Picture 54"/>
+          <p:cNvPicPr>
+            <a:picLocks noChangeAspect="1"/>
+          </p:cNvPicPr>
+          <p:nvPr/>
+        </p:nvPicPr>
+        <p:blipFill>
+          <a:blip r:embed="rId5">
+            <a:extLst>
+              <a:ext uri="{28A0092B-C50C-407E-A947-70E740481C1C}">
+                <a14:useLocalDpi xmlns:a14="http://schemas.microsoft.com/office/drawing/2010/main" val="0"/>
+              </a:ext>
+            </a:extLst>
+          </a:blip>
+          <a:stretch>
+            <a:fillRect/>
+          </a:stretch>
+        </p:blipFill>
+        <p:spPr>
+          <a:xfrm>
+            <a:off x="740538" y="29978633"/>
+            <a:ext cx="1427967" cy="1427967"/>
+          </a:xfrm>
+          <a:prstGeom prst="rect">
+            <a:avLst/>
+          </a:prstGeom>
+        </p:spPr>
+      </p:pic>
+      <p:pic>
+        <p:nvPicPr>
+          <p:cNvPr id="56" name="Picture 55"/>
+          <p:cNvPicPr>
+            <a:picLocks noChangeAspect="1"/>
+          </p:cNvPicPr>
+          <p:nvPr/>
+        </p:nvPicPr>
+        <p:blipFill>
+          <a:blip r:embed="rId5">
+            <a:extLst>
+              <a:ext uri="{28A0092B-C50C-407E-A947-70E740481C1C}">
+                <a14:useLocalDpi xmlns:a14="http://schemas.microsoft.com/office/drawing/2010/main" val="0"/>
+              </a:ext>
+            </a:extLst>
+          </a:blip>
+          <a:stretch>
+            <a:fillRect/>
+          </a:stretch>
+        </p:blipFill>
+        <p:spPr>
+          <a:xfrm>
+            <a:off x="3596472" y="29972744"/>
+            <a:ext cx="1427967" cy="1427967"/>
+          </a:xfrm>
+          <a:prstGeom prst="rect">
+            <a:avLst/>
+          </a:prstGeom>
+        </p:spPr>
+      </p:pic>
+      <p:sp>
+        <p:nvSpPr>
+          <p:cNvPr id="11" name="TextBox 10"/>
+          <p:cNvSpPr txBox="1"/>
+          <p:nvPr/>
+        </p:nvSpPr>
+        <p:spPr>
+          <a:xfrm>
+            <a:off x="35965500" y="7310792"/>
+            <a:ext cx="6652191" cy="769441"/>
+          </a:xfrm>
+          <a:prstGeom prst="rect">
+            <a:avLst/>
+          </a:prstGeom>
+          <a:noFill/>
+        </p:spPr>
+        <p:txBody>
+          <a:bodyPr wrap="square" rtlCol="0">
+            <a:spAutoFit/>
+          </a:bodyPr>
+          <a:lstStyle/>
+          <a:p>
+            <a:r>
+              <a:rPr lang="en-US" sz="4400" b="0" i="1" dirty="0" smtClean="0">
+                <a:solidFill>
+                  <a:schemeClr val="tx1"/>
+                </a:solidFill>
+                <a:latin typeface="+mn-lt"/>
+              </a:rPr>
+              <a:t>Below: A* search algorithm</a:t>
+            </a:r>
+            <a:endParaRPr lang="en-US" sz="4400" b="0" i="1" dirty="0">
+              <a:solidFill>
+                <a:schemeClr val="tx1"/>
+              </a:solidFill>
+              <a:latin typeface="+mn-lt"/>
+            </a:endParaRPr>
+          </a:p>
+        </p:txBody>
+      </p:sp>
+      <p:pic>
+        <p:nvPicPr>
+          <p:cNvPr id="16" name="Picture 15"/>
           <p:cNvPicPr>
             <a:picLocks noChangeAspect="1"/>
           </p:cNvPicPr>
@@ -6583,24 +7274,104 @@
         </p:blipFill>
         <p:spPr>
           <a:xfrm>
-            <a:off x="3951054" y="29078716"/>
-            <a:ext cx="2706816" cy="2706816"/>
+            <a:off x="2886223" y="11409684"/>
+            <a:ext cx="12255997" cy="6400982"/>
           </a:xfrm>
           <a:prstGeom prst="rect">
             <a:avLst/>
           </a:prstGeom>
         </p:spPr>
       </p:pic>
+      <p:sp>
+        <p:nvSpPr>
+          <p:cNvPr id="17" name="TextBox 16"/>
+          <p:cNvSpPr txBox="1"/>
+          <p:nvPr/>
+        </p:nvSpPr>
+        <p:spPr>
+          <a:xfrm>
+            <a:off x="28044475" y="18972292"/>
+            <a:ext cx="14020800" cy="754053"/>
+          </a:xfrm>
+          <a:prstGeom prst="rect">
+            <a:avLst/>
+          </a:prstGeom>
+          <a:noFill/>
+        </p:spPr>
+        <p:txBody>
+          <a:bodyPr wrap="square" rtlCol="0">
+            <a:spAutoFit/>
+          </a:bodyPr>
+          <a:lstStyle/>
+          <a:p>
+            <a:r>
+              <a:rPr lang="en-US" b="0" i="1" dirty="0" smtClean="0">
+                <a:solidFill>
+                  <a:schemeClr val="tx1"/>
+                </a:solidFill>
+                <a:latin typeface="+mn-lt"/>
+              </a:rPr>
+              <a:t>Upper Left: Main menu; Upper Right: Gameplay</a:t>
+            </a:r>
+            <a:endParaRPr lang="en-US" b="0" i="1" dirty="0">
+              <a:solidFill>
+                <a:schemeClr val="tx1"/>
+              </a:solidFill>
+              <a:latin typeface="+mn-lt"/>
+            </a:endParaRPr>
+          </a:p>
+        </p:txBody>
+      </p:sp>
+      <p:sp>
+        <p:nvSpPr>
+          <p:cNvPr id="18" name="TextBox 17"/>
+          <p:cNvSpPr txBox="1"/>
+          <p:nvPr/>
+        </p:nvSpPr>
+        <p:spPr>
+          <a:xfrm>
+            <a:off x="10668000" y="29028698"/>
+            <a:ext cx="6466191" cy="754053"/>
+          </a:xfrm>
+          <a:prstGeom prst="rect">
+            <a:avLst/>
+          </a:prstGeom>
+          <a:noFill/>
+        </p:spPr>
+        <p:txBody>
+          <a:bodyPr wrap="square" rtlCol="0">
+            <a:spAutoFit/>
+          </a:bodyPr>
+          <a:lstStyle/>
+          <a:p>
+            <a:r>
+              <a:rPr lang="en-US" b="0" i="1" dirty="0" smtClean="0">
+                <a:solidFill>
+                  <a:schemeClr val="tx1"/>
+                </a:solidFill>
+                <a:latin typeface="+mn-lt"/>
+              </a:rPr>
+              <a:t>Below: Original Graphic</a:t>
+            </a:r>
+            <a:endParaRPr lang="en-US" b="0" i="1" dirty="0">
+              <a:solidFill>
+                <a:schemeClr val="tx1"/>
+              </a:solidFill>
+              <a:latin typeface="+mn-lt"/>
+            </a:endParaRPr>
+          </a:p>
+        </p:txBody>
+      </p:sp>
       <p:pic>
         <p:nvPicPr>
-          <p:cNvPr id="46" name="Picture 45"/>
+          <p:cNvPr id="57" name="Picture 56"/>
           <p:cNvPicPr>
             <a:picLocks noChangeAspect="1"/>
           </p:cNvPicPr>
           <p:nvPr/>
         </p:nvPicPr>
         <p:blipFill>
-          <a:blip r:embed="rId6">
+          <a:blip r:embed="rId5">
             <a:extLst>
               <a:ext uri="{28A0092B-C50C-407E-A947-70E740481C1C}">
                 <a14:useLocalDpi xmlns:a14="http://schemas.microsoft.com/office/drawing/2010/main" val="0"/>
@@ -6613,8 +7384,8 @@
         </p:blipFill>
         <p:spPr>
           <a:xfrm>
-            <a:off x="1290542" y="29078716"/>
-            <a:ext cx="2706816" cy="2706816"/>
+            <a:off x="10728437" y="29972743"/>
+            <a:ext cx="1427967" cy="1427967"/>
           </a:xfrm>
           <a:prstGeom prst="rect">
             <a:avLst/>
@@ -6623,14 +7394,14 @@
       </p:pic>
       <p:pic>
         <p:nvPicPr>
-          <p:cNvPr id="47" name="Picture 46"/>
+          <p:cNvPr id="58" name="Picture 57"/>
           <p:cNvPicPr>
             <a:picLocks noChangeAspect="1"/>
           </p:cNvPicPr>
           <p:nvPr/>
         </p:nvPicPr>
         <p:blipFill>
-          <a:blip r:embed="rId6">
+          <a:blip r:embed="rId5">
             <a:extLst>
               <a:ext uri="{28A0092B-C50C-407E-A947-70E740481C1C}">
                 <a14:useLocalDpi xmlns:a14="http://schemas.microsoft.com/office/drawing/2010/main" val="0"/>
@@ -6643,8 +7414,8 @@
         </p:blipFill>
         <p:spPr>
           <a:xfrm>
-            <a:off x="9319841" y="29124030"/>
-            <a:ext cx="2706816" cy="2706816"/>
+            <a:off x="12162924" y="29983518"/>
+            <a:ext cx="1427967" cy="1427967"/>
           </a:xfrm>
           <a:prstGeom prst="rect">
             <a:avLst/>
@@ -6653,14 +7424,14 @@
       </p:pic>
       <p:pic>
         <p:nvPicPr>
-          <p:cNvPr id="48" name="Picture 47"/>
+          <p:cNvPr id="59" name="Picture 58"/>
           <p:cNvPicPr>
             <a:picLocks noChangeAspect="1"/>
           </p:cNvPicPr>
           <p:nvPr/>
         </p:nvPicPr>
         <p:blipFill>
-          <a:blip r:embed="rId6">
+          <a:blip r:embed="rId5">
             <a:extLst>
               <a:ext uri="{28A0092B-C50C-407E-A947-70E740481C1C}">
                 <a14:useLocalDpi xmlns:a14="http://schemas.microsoft.com/office/drawing/2010/main" val="0"/>
@@ -6673,8 +7444,8 @@
         </p:blipFill>
         <p:spPr>
           <a:xfrm>
-            <a:off x="6631659" y="29124030"/>
-            <a:ext cx="2706816" cy="2706816"/>
+            <a:off x="13583021" y="29983518"/>
+            <a:ext cx="1427967" cy="1427967"/>
           </a:xfrm>
           <a:prstGeom prst="rect">
             <a:avLst/>
@@ -6683,14 +7454,14 @@
       </p:pic>
       <p:pic>
         <p:nvPicPr>
-          <p:cNvPr id="53" name="Picture 52"/>
+          <p:cNvPr id="5" name="Picture 4"/>
           <p:cNvPicPr>
             <a:picLocks noChangeAspect="1"/>
           </p:cNvPicPr>
           <p:nvPr/>
         </p:nvPicPr>
         <p:blipFill>
-          <a:blip r:embed="rId6">
+          <a:blip r:embed="rId7">
             <a:extLst>
               <a:ext uri="{28A0092B-C50C-407E-A947-70E740481C1C}">
                 <a14:useLocalDpi xmlns:a14="http://schemas.microsoft.com/office/drawing/2010/main" val="0"/>
@@ -6703,8 +7474,38 @@
         </p:blipFill>
         <p:spPr>
           <a:xfrm>
-            <a:off x="11995000" y="29124030"/>
-            <a:ext cx="2706816" cy="2706816"/>
+            <a:off x="16437605" y="29983518"/>
+            <a:ext cx="1427967" cy="1427967"/>
+          </a:xfrm>
+          <a:prstGeom prst="rect">
+            <a:avLst/>
+          </a:prstGeom>
+        </p:spPr>
+      </p:pic>
+      <p:pic>
+        <p:nvPicPr>
+          <p:cNvPr id="61" name="Picture 60"/>
+          <p:cNvPicPr>
+            <a:picLocks noChangeAspect="1"/>
+          </p:cNvPicPr>
+          <p:nvPr/>
+        </p:nvPicPr>
+        <p:blipFill>
+          <a:blip r:embed="rId5">
+            <a:extLst>
+              <a:ext uri="{28A0092B-C50C-407E-A947-70E740481C1C}">
+                <a14:useLocalDpi xmlns:a14="http://schemas.microsoft.com/office/drawing/2010/main" val="0"/>
+              </a:ext>
+            </a:extLst>
+          </a:blip>
+          <a:stretch>
+            <a:fillRect/>
+          </a:stretch>
+        </p:blipFill>
+        <p:spPr>
+          <a:xfrm>
+            <a:off x="15017508" y="29983518"/>
+            <a:ext cx="1427967" cy="1427967"/>
           </a:xfrm>
           <a:prstGeom prst="rect">
             <a:avLst/>
